--- a/EKamp.pptx
+++ b/EKamp.pptx
@@ -12,12 +12,14 @@
     <p:sldId id="261" r:id="rId6"/>
     <p:sldId id="262" r:id="rId7"/>
     <p:sldId id="263" r:id="rId8"/>
-    <p:sldId id="264" r:id="rId9"/>
-    <p:sldId id="257" r:id="rId10"/>
-    <p:sldId id="265" r:id="rId11"/>
-    <p:sldId id="266" r:id="rId12"/>
-    <p:sldId id="267" r:id="rId13"/>
-    <p:sldId id="268" r:id="rId14"/>
+    <p:sldId id="269" r:id="rId9"/>
+    <p:sldId id="270" r:id="rId10"/>
+    <p:sldId id="264" r:id="rId11"/>
+    <p:sldId id="257" r:id="rId12"/>
+    <p:sldId id="265" r:id="rId13"/>
+    <p:sldId id="266" r:id="rId14"/>
+    <p:sldId id="267" r:id="rId15"/>
+    <p:sldId id="268" r:id="rId16"/>
   </p:sldIdLst>
   <p:sldSz cx="12192000" cy="6858000"/>
   <p:notesSz cx="6858000" cy="9144000"/>
@@ -5846,7 +5848,7 @@
           <p:cNvPr id="2" name="Title 1">
             <a:extLst>
               <a:ext uri="{FF2B5EF4-FFF2-40B4-BE49-F238E27FC236}">
-                <a16:creationId xmlns:a16="http://schemas.microsoft.com/office/drawing/2014/main" id="{B2C3AD29-9373-B70D-2176-C1CEB25E3960}"/>
+                <a16:creationId xmlns:a16="http://schemas.microsoft.com/office/drawing/2014/main" id="{742437B2-F6E3-C7C8-FF4D-4AD164E105E6}"/>
               </a:ext>
             </a:extLst>
           </p:cNvPr>
@@ -5864,41 +5866,45 @@
           <a:p>
             <a:r>
               <a:rPr lang="sr-Latn-RS" dirty="0"/>
-              <a:t>Scenario korištenja - volonter</a:t>
+              <a:t>Dijagram slučajeva upotrebe</a:t>
             </a:r>
             <a:endParaRPr lang="en-GB" dirty="0"/>
           </a:p>
         </p:txBody>
       </p:sp>
-      <p:sp>
-        <p:nvSpPr>
-          <p:cNvPr id="3" name="Content Placeholder 2">
+      <p:pic>
+        <p:nvPicPr>
+          <p:cNvPr id="9" name="Content Placeholder 8">
             <a:extLst>
               <a:ext uri="{FF2B5EF4-FFF2-40B4-BE49-F238E27FC236}">
-                <a16:creationId xmlns:a16="http://schemas.microsoft.com/office/drawing/2014/main" id="{D07CF309-F0D6-C57D-4C3A-39A0DD0F457B}"/>
+                <a16:creationId xmlns:a16="http://schemas.microsoft.com/office/drawing/2014/main" id="{2B569933-EFE7-B86E-4D89-8BC7FCD07F56}"/>
               </a:ext>
             </a:extLst>
           </p:cNvPr>
-          <p:cNvSpPr>
-            <a:spLocks noGrp="1"/>
-          </p:cNvSpPr>
+          <p:cNvPicPr>
+            <a:picLocks noGrp="1" noChangeAspect="1"/>
+          </p:cNvPicPr>
           <p:nvPr>
             <p:ph idx="1"/>
           </p:nvPr>
-        </p:nvSpPr>
-        <p:spPr/>
-        <p:txBody>
-          <a:bodyPr/>
-          <a:lstStyle/>
-          <a:p>
-            <a:endParaRPr lang="en-GB"/>
-          </a:p>
-        </p:txBody>
-      </p:sp>
+        </p:nvPicPr>
+        <p:blipFill>
+          <a:blip r:embed="rId2"/>
+          <a:stretch>
+            <a:fillRect/>
+          </a:stretch>
+        </p:blipFill>
+        <p:spPr>
+          <a:xfrm>
+            <a:off x="2867904" y="2401888"/>
+            <a:ext cx="5765629" cy="3881437"/>
+          </a:xfrm>
+        </p:spPr>
+      </p:pic>
     </p:spTree>
     <p:extLst>
       <p:ext uri="{BB962C8B-B14F-4D97-AF65-F5344CB8AC3E}">
-        <p14:creationId xmlns:p14="http://schemas.microsoft.com/office/powerpoint/2010/main" val="1777654662"/>
+        <p14:creationId xmlns:p14="http://schemas.microsoft.com/office/powerpoint/2010/main" val="1766699525"/>
       </p:ext>
     </p:extLst>
   </p:cSld>
@@ -5930,7 +5936,7 @@
           <p:cNvPr id="2" name="Title 1">
             <a:extLst>
               <a:ext uri="{FF2B5EF4-FFF2-40B4-BE49-F238E27FC236}">
-                <a16:creationId xmlns:a16="http://schemas.microsoft.com/office/drawing/2014/main" id="{1427ACB0-995B-915A-E8C3-5251CB00FF50}"/>
+                <a16:creationId xmlns:a16="http://schemas.microsoft.com/office/drawing/2014/main" id="{AE7DD416-D82B-4FD1-B89A-755C92D5EE5C}"/>
               </a:ext>
             </a:extLst>
           </p:cNvPr>
@@ -5947,10 +5953,10 @@
           <a:lstStyle/>
           <a:p>
             <a:r>
-              <a:rPr lang="sr-Latn-RS" dirty="0"/>
-              <a:t>Idealizovan scenario*</a:t>
-            </a:r>
-            <a:endParaRPr lang="en-GB" dirty="0"/>
+              <a:rPr lang="sr-Latn-BA" dirty="0"/>
+              <a:t>Scenario korištenja - administrator</a:t>
+            </a:r>
+            <a:endParaRPr lang="en-US" dirty="0"/>
           </a:p>
         </p:txBody>
       </p:sp>
@@ -5959,7 +5965,7 @@
           <p:cNvPr id="3" name="Content Placeholder 2">
             <a:extLst>
               <a:ext uri="{FF2B5EF4-FFF2-40B4-BE49-F238E27FC236}">
-                <a16:creationId xmlns:a16="http://schemas.microsoft.com/office/drawing/2014/main" id="{155EC5EA-5DA3-C3FB-241E-817A7033A241}"/>
+                <a16:creationId xmlns:a16="http://schemas.microsoft.com/office/drawing/2014/main" id="{6D16EED6-24A0-4F39-A96D-5E018D5AF96C}"/>
               </a:ext>
             </a:extLst>
           </p:cNvPr>
@@ -5975,14 +5981,63 @@
           <a:bodyPr/>
           <a:lstStyle/>
           <a:p>
-            <a:endParaRPr lang="en-GB"/>
+            <a:endParaRPr lang="en-US" dirty="0"/>
+          </a:p>
+        </p:txBody>
+      </p:sp>
+      <p:sp>
+        <p:nvSpPr>
+          <p:cNvPr id="4" name="Flowchart: Process 3">
+            <a:extLst>
+              <a:ext uri="{FF2B5EF4-FFF2-40B4-BE49-F238E27FC236}">
+                <a16:creationId xmlns:a16="http://schemas.microsoft.com/office/drawing/2014/main" id="{A033A347-5D6A-13BE-F25F-598B8FA7086D}"/>
+              </a:ext>
+            </a:extLst>
+          </p:cNvPr>
+          <p:cNvSpPr/>
+          <p:nvPr/>
+        </p:nvSpPr>
+        <p:spPr>
+          <a:xfrm>
+            <a:off x="1485900" y="4191000"/>
+            <a:ext cx="1234440" cy="640080"/>
+          </a:xfrm>
+          <a:prstGeom prst="flowChartProcess">
+            <a:avLst/>
+          </a:prstGeom>
+        </p:spPr>
+        <p:style>
+          <a:lnRef idx="2">
+            <a:schemeClr val="accent1">
+              <a:shade val="50000"/>
+            </a:schemeClr>
+          </a:lnRef>
+          <a:fillRef idx="1">
+            <a:schemeClr val="accent1"/>
+          </a:fillRef>
+          <a:effectRef idx="0">
+            <a:schemeClr val="accent1"/>
+          </a:effectRef>
+          <a:fontRef idx="minor">
+            <a:schemeClr val="lt1"/>
+          </a:fontRef>
+        </p:style>
+        <p:txBody>
+          <a:bodyPr rtlCol="0" anchor="ctr"/>
+          <a:lstStyle/>
+          <a:p>
+            <a:pPr algn="ctr"/>
+            <a:r>
+              <a:rPr lang="sr-Latn-RS" dirty="0"/>
+              <a:t>Laptop - prijava</a:t>
+            </a:r>
           </a:p>
         </p:txBody>
       </p:sp>
     </p:spTree>
     <p:extLst>
       <p:ext uri="{BB962C8B-B14F-4D97-AF65-F5344CB8AC3E}">
-        <p14:creationId xmlns:p14="http://schemas.microsoft.com/office/powerpoint/2010/main" val="4272550683"/>
+        <p14:creationId xmlns:p14="http://schemas.microsoft.com/office/powerpoint/2010/main" val="232960618"/>
       </p:ext>
     </p:extLst>
   </p:cSld>
@@ -6014,6 +6069,174 @@
           <p:cNvPr id="2" name="Title 1">
             <a:extLst>
               <a:ext uri="{FF2B5EF4-FFF2-40B4-BE49-F238E27FC236}">
+                <a16:creationId xmlns:a16="http://schemas.microsoft.com/office/drawing/2014/main" id="{B2C3AD29-9373-B70D-2176-C1CEB25E3960}"/>
+              </a:ext>
+            </a:extLst>
+          </p:cNvPr>
+          <p:cNvSpPr>
+            <a:spLocks noGrp="1"/>
+          </p:cNvSpPr>
+          <p:nvPr>
+            <p:ph type="title"/>
+          </p:nvPr>
+        </p:nvSpPr>
+        <p:spPr/>
+        <p:txBody>
+          <a:bodyPr/>
+          <a:lstStyle/>
+          <a:p>
+            <a:r>
+              <a:rPr lang="sr-Latn-RS" dirty="0"/>
+              <a:t>Scenario korištenja - volonter</a:t>
+            </a:r>
+            <a:endParaRPr lang="en-GB" dirty="0"/>
+          </a:p>
+        </p:txBody>
+      </p:sp>
+      <p:sp>
+        <p:nvSpPr>
+          <p:cNvPr id="3" name="Content Placeholder 2">
+            <a:extLst>
+              <a:ext uri="{FF2B5EF4-FFF2-40B4-BE49-F238E27FC236}">
+                <a16:creationId xmlns:a16="http://schemas.microsoft.com/office/drawing/2014/main" id="{D07CF309-F0D6-C57D-4C3A-39A0DD0F457B}"/>
+              </a:ext>
+            </a:extLst>
+          </p:cNvPr>
+          <p:cNvSpPr>
+            <a:spLocks noGrp="1"/>
+          </p:cNvSpPr>
+          <p:nvPr>
+            <p:ph idx="1"/>
+          </p:nvPr>
+        </p:nvSpPr>
+        <p:spPr/>
+        <p:txBody>
+          <a:bodyPr/>
+          <a:lstStyle/>
+          <a:p>
+            <a:endParaRPr lang="en-GB"/>
+          </a:p>
+        </p:txBody>
+      </p:sp>
+    </p:spTree>
+    <p:extLst>
+      <p:ext uri="{BB962C8B-B14F-4D97-AF65-F5344CB8AC3E}">
+        <p14:creationId xmlns:p14="http://schemas.microsoft.com/office/powerpoint/2010/main" val="1777654662"/>
+      </p:ext>
+    </p:extLst>
+  </p:cSld>
+  <p:clrMapOvr>
+    <a:masterClrMapping/>
+  </p:clrMapOvr>
+</p:sld>
+</file>
+
+<file path=ppt/slides/slide13.xml><?xml version="1.0" encoding="utf-8"?>
+<p:sld xmlns:a="http://schemas.openxmlformats.org/drawingml/2006/main" xmlns:r="http://schemas.openxmlformats.org/officeDocument/2006/relationships" xmlns:p="http://schemas.openxmlformats.org/presentationml/2006/main">
+  <p:cSld>
+    <p:spTree>
+      <p:nvGrpSpPr>
+        <p:cNvPr id="1" name=""/>
+        <p:cNvGrpSpPr/>
+        <p:nvPr/>
+      </p:nvGrpSpPr>
+      <p:grpSpPr>
+        <a:xfrm>
+          <a:off x="0" y="0"/>
+          <a:ext cx="0" cy="0"/>
+          <a:chOff x="0" y="0"/>
+          <a:chExt cx="0" cy="0"/>
+        </a:xfrm>
+      </p:grpSpPr>
+      <p:sp>
+        <p:nvSpPr>
+          <p:cNvPr id="2" name="Title 1">
+            <a:extLst>
+              <a:ext uri="{FF2B5EF4-FFF2-40B4-BE49-F238E27FC236}">
+                <a16:creationId xmlns:a16="http://schemas.microsoft.com/office/drawing/2014/main" id="{1427ACB0-995B-915A-E8C3-5251CB00FF50}"/>
+              </a:ext>
+            </a:extLst>
+          </p:cNvPr>
+          <p:cNvSpPr>
+            <a:spLocks noGrp="1"/>
+          </p:cNvSpPr>
+          <p:nvPr>
+            <p:ph type="title"/>
+          </p:nvPr>
+        </p:nvSpPr>
+        <p:spPr/>
+        <p:txBody>
+          <a:bodyPr/>
+          <a:lstStyle/>
+          <a:p>
+            <a:r>
+              <a:rPr lang="sr-Latn-RS" dirty="0"/>
+              <a:t>Idealizovan scenario*</a:t>
+            </a:r>
+            <a:endParaRPr lang="en-GB" dirty="0"/>
+          </a:p>
+        </p:txBody>
+      </p:sp>
+      <p:sp>
+        <p:nvSpPr>
+          <p:cNvPr id="3" name="Content Placeholder 2">
+            <a:extLst>
+              <a:ext uri="{FF2B5EF4-FFF2-40B4-BE49-F238E27FC236}">
+                <a16:creationId xmlns:a16="http://schemas.microsoft.com/office/drawing/2014/main" id="{155EC5EA-5DA3-C3FB-241E-817A7033A241}"/>
+              </a:ext>
+            </a:extLst>
+          </p:cNvPr>
+          <p:cNvSpPr>
+            <a:spLocks noGrp="1"/>
+          </p:cNvSpPr>
+          <p:nvPr>
+            <p:ph idx="1"/>
+          </p:nvPr>
+        </p:nvSpPr>
+        <p:spPr/>
+        <p:txBody>
+          <a:bodyPr/>
+          <a:lstStyle/>
+          <a:p>
+            <a:endParaRPr lang="en-GB"/>
+          </a:p>
+        </p:txBody>
+      </p:sp>
+    </p:spTree>
+    <p:extLst>
+      <p:ext uri="{BB962C8B-B14F-4D97-AF65-F5344CB8AC3E}">
+        <p14:creationId xmlns:p14="http://schemas.microsoft.com/office/powerpoint/2010/main" val="4272550683"/>
+      </p:ext>
+    </p:extLst>
+  </p:cSld>
+  <p:clrMapOvr>
+    <a:masterClrMapping/>
+  </p:clrMapOvr>
+</p:sld>
+</file>
+
+<file path=ppt/slides/slide14.xml><?xml version="1.0" encoding="utf-8"?>
+<p:sld xmlns:a="http://schemas.openxmlformats.org/drawingml/2006/main" xmlns:r="http://schemas.openxmlformats.org/officeDocument/2006/relationships" xmlns:p="http://schemas.openxmlformats.org/presentationml/2006/main">
+  <p:cSld>
+    <p:spTree>
+      <p:nvGrpSpPr>
+        <p:cNvPr id="1" name=""/>
+        <p:cNvGrpSpPr/>
+        <p:nvPr/>
+      </p:nvGrpSpPr>
+      <p:grpSpPr>
+        <a:xfrm>
+          <a:off x="0" y="0"/>
+          <a:ext cx="0" cy="0"/>
+          <a:chOff x="0" y="0"/>
+          <a:chExt cx="0" cy="0"/>
+        </a:xfrm>
+      </p:grpSpPr>
+      <p:sp>
+        <p:nvSpPr>
+          <p:cNvPr id="2" name="Title 1">
+            <a:extLst>
+              <a:ext uri="{FF2B5EF4-FFF2-40B4-BE49-F238E27FC236}">
                 <a16:creationId xmlns:a16="http://schemas.microsoft.com/office/drawing/2014/main" id="{32533020-4C05-4DD5-8F28-BD0A71E2B93C}"/>
               </a:ext>
             </a:extLst>
@@ -6076,7 +6299,7 @@
 </p:sld>
 </file>
 
-<file path=ppt/slides/slide13.xml><?xml version="1.0" encoding="utf-8"?>
+<file path=ppt/slides/slide15.xml><?xml version="1.0" encoding="utf-8"?>
 <p:sld xmlns:a="http://schemas.openxmlformats.org/drawingml/2006/main" xmlns:r="http://schemas.openxmlformats.org/officeDocument/2006/relationships" xmlns:p="http://schemas.openxmlformats.org/presentationml/2006/main">
   <p:cSld>
     <p:spTree>
@@ -6459,7 +6682,74 @@
           <a:bodyPr/>
           <a:lstStyle/>
           <a:p>
-            <a:endParaRPr lang="en-GB"/>
+            <a:r>
+              <a:rPr lang="sr-Latn-RS" sz="1800" dirty="0">
+                <a:solidFill>
+                  <a:schemeClr val="tx1"/>
+                </a:solidFill>
+                <a:latin typeface="Century Gothic" pitchFamily="34" charset="0"/>
+              </a:rPr>
+              <a:t>Olakšanje evidencije korisnika </a:t>
+            </a:r>
+          </a:p>
+          <a:p>
+            <a:r>
+              <a:rPr lang="sr-Latn-RS" dirty="0">
+                <a:solidFill>
+                  <a:schemeClr val="tx1"/>
+                </a:solidFill>
+                <a:latin typeface="Century Gothic" pitchFamily="34" charset="0"/>
+              </a:rPr>
+              <a:t>Čuvanje relevantnih informacija u bazi podataka</a:t>
+            </a:r>
+          </a:p>
+          <a:p>
+            <a:r>
+              <a:rPr lang="sr-Latn-RS" sz="1800" dirty="0">
+                <a:solidFill>
+                  <a:schemeClr val="tx1"/>
+                </a:solidFill>
+                <a:latin typeface="Century Gothic" pitchFamily="34" charset="0"/>
+              </a:rPr>
+              <a:t>Jednost</a:t>
+            </a:r>
+            <a:r>
+              <a:rPr lang="sr-Latn-RS" dirty="0">
+                <a:solidFill>
+                  <a:schemeClr val="tx1"/>
+                </a:solidFill>
+                <a:latin typeface="Century Gothic" pitchFamily="34" charset="0"/>
+              </a:rPr>
+              <a:t>vna komunikacija</a:t>
+            </a:r>
+          </a:p>
+          <a:p>
+            <a:r>
+              <a:rPr lang="sr-Latn-RS" sz="1800" dirty="0">
+                <a:solidFill>
+                  <a:schemeClr val="tx1"/>
+                </a:solidFill>
+                <a:latin typeface="Century Gothic" pitchFamily="34" charset="0"/>
+              </a:rPr>
+              <a:t>M</a:t>
+            </a:r>
+            <a:r>
+              <a:rPr lang="sr-Latn-RS" dirty="0">
+                <a:solidFill>
+                  <a:schemeClr val="tx1"/>
+                </a:solidFill>
+                <a:latin typeface="Century Gothic" pitchFamily="34" charset="0"/>
+              </a:rPr>
+              <a:t>ogućnost korištenja sistema u različitim situacijama</a:t>
+            </a:r>
+          </a:p>
+          <a:p>
+            <a:endParaRPr lang="sr-Latn-RS" sz="1800" dirty="0">
+              <a:solidFill>
+                <a:schemeClr val="tx1"/>
+              </a:solidFill>
+              <a:latin typeface="Century Gothic" pitchFamily="34" charset="0"/>
+            </a:endParaRPr>
           </a:p>
         </p:txBody>
       </p:sp>
@@ -6538,11 +6828,671 @@
             <p:ph idx="1"/>
           </p:nvPr>
         </p:nvSpPr>
-        <p:spPr/>
+        <p:spPr>
+          <a:xfrm>
+            <a:off x="791634" y="1979346"/>
+            <a:ext cx="8596668" cy="3880773"/>
+          </a:xfrm>
+        </p:spPr>
         <p:txBody>
           <a:bodyPr/>
           <a:lstStyle/>
           <a:p>
+            <a:r>
+              <a:rPr lang="sr-Latn-RS" dirty="0"/>
+              <a:t>EKamp je Klijent-Server organizovana desktop aplikacija</a:t>
+            </a:r>
+          </a:p>
+          <a:p>
+            <a:pPr marL="0" indent="0">
+              <a:buNone/>
+            </a:pPr>
+            <a:endParaRPr lang="en-GB" dirty="0"/>
+          </a:p>
+        </p:txBody>
+      </p:sp>
+      <p:sp>
+        <p:nvSpPr>
+          <p:cNvPr id="5" name="Flowchart: Magnetic Disk 4">
+            <a:extLst>
+              <a:ext uri="{FF2B5EF4-FFF2-40B4-BE49-F238E27FC236}">
+                <a16:creationId xmlns:a16="http://schemas.microsoft.com/office/drawing/2014/main" id="{C1CDAA75-C817-882A-9DAB-B0BBFA25C9DA}"/>
+              </a:ext>
+            </a:extLst>
+          </p:cNvPr>
+          <p:cNvSpPr/>
+          <p:nvPr/>
+        </p:nvSpPr>
+        <p:spPr>
+          <a:xfrm>
+            <a:off x="1114424" y="4799243"/>
+            <a:ext cx="1426177" cy="897963"/>
+          </a:xfrm>
+          <a:prstGeom prst="flowChartMagneticDisk">
+            <a:avLst/>
+          </a:prstGeom>
+        </p:spPr>
+        <p:style>
+          <a:lnRef idx="2">
+            <a:schemeClr val="accent1">
+              <a:shade val="50000"/>
+            </a:schemeClr>
+          </a:lnRef>
+          <a:fillRef idx="1">
+            <a:schemeClr val="accent1"/>
+          </a:fillRef>
+          <a:effectRef idx="0">
+            <a:schemeClr val="accent1"/>
+          </a:effectRef>
+          <a:fontRef idx="minor">
+            <a:schemeClr val="lt1"/>
+          </a:fontRef>
+        </p:style>
+        <p:txBody>
+          <a:bodyPr rtlCol="0" anchor="ctr"/>
+          <a:lstStyle/>
+          <a:p>
+            <a:pPr algn="ctr"/>
+            <a:endParaRPr lang="en-GB"/>
+          </a:p>
+        </p:txBody>
+      </p:sp>
+      <p:sp>
+        <p:nvSpPr>
+          <p:cNvPr id="6" name="Flowchart: Magnetic Disk 5">
+            <a:extLst>
+              <a:ext uri="{FF2B5EF4-FFF2-40B4-BE49-F238E27FC236}">
+                <a16:creationId xmlns:a16="http://schemas.microsoft.com/office/drawing/2014/main" id="{262B1E46-F706-3935-883D-8234AF433D45}"/>
+              </a:ext>
+            </a:extLst>
+          </p:cNvPr>
+          <p:cNvSpPr/>
+          <p:nvPr/>
+        </p:nvSpPr>
+        <p:spPr>
+          <a:xfrm>
+            <a:off x="1114423" y="4324565"/>
+            <a:ext cx="1426177" cy="897963"/>
+          </a:xfrm>
+          <a:prstGeom prst="flowChartMagneticDisk">
+            <a:avLst/>
+          </a:prstGeom>
+        </p:spPr>
+        <p:style>
+          <a:lnRef idx="2">
+            <a:schemeClr val="accent1">
+              <a:shade val="50000"/>
+            </a:schemeClr>
+          </a:lnRef>
+          <a:fillRef idx="1">
+            <a:schemeClr val="accent1"/>
+          </a:fillRef>
+          <a:effectRef idx="0">
+            <a:schemeClr val="accent1"/>
+          </a:effectRef>
+          <a:fontRef idx="minor">
+            <a:schemeClr val="lt1"/>
+          </a:fontRef>
+        </p:style>
+        <p:txBody>
+          <a:bodyPr rtlCol="0" anchor="ctr"/>
+          <a:lstStyle/>
+          <a:p>
+            <a:pPr algn="ctr"/>
+            <a:endParaRPr lang="en-GB" dirty="0"/>
+          </a:p>
+        </p:txBody>
+      </p:sp>
+      <p:sp>
+        <p:nvSpPr>
+          <p:cNvPr id="7" name="Flowchart: Magnetic Disk 6">
+            <a:extLst>
+              <a:ext uri="{FF2B5EF4-FFF2-40B4-BE49-F238E27FC236}">
+                <a16:creationId xmlns:a16="http://schemas.microsoft.com/office/drawing/2014/main" id="{22B730C8-83D6-979C-9574-1D1242ECA818}"/>
+              </a:ext>
+            </a:extLst>
+          </p:cNvPr>
+          <p:cNvSpPr/>
+          <p:nvPr/>
+        </p:nvSpPr>
+        <p:spPr>
+          <a:xfrm>
+            <a:off x="1121517" y="3919733"/>
+            <a:ext cx="1426177" cy="766336"/>
+          </a:xfrm>
+          <a:prstGeom prst="flowChartMagneticDisk">
+            <a:avLst/>
+          </a:prstGeom>
+        </p:spPr>
+        <p:style>
+          <a:lnRef idx="2">
+            <a:schemeClr val="accent1">
+              <a:shade val="50000"/>
+            </a:schemeClr>
+          </a:lnRef>
+          <a:fillRef idx="1">
+            <a:schemeClr val="accent1"/>
+          </a:fillRef>
+          <a:effectRef idx="0">
+            <a:schemeClr val="accent1"/>
+          </a:effectRef>
+          <a:fontRef idx="minor">
+            <a:schemeClr val="lt1"/>
+          </a:fontRef>
+        </p:style>
+        <p:txBody>
+          <a:bodyPr rtlCol="0" anchor="ctr"/>
+          <a:lstStyle/>
+          <a:p>
+            <a:pPr algn="ctr"/>
+            <a:endParaRPr lang="en-GB"/>
+          </a:p>
+        </p:txBody>
+      </p:sp>
+      <p:sp>
+        <p:nvSpPr>
+          <p:cNvPr id="8" name="Cube 7">
+            <a:extLst>
+              <a:ext uri="{FF2B5EF4-FFF2-40B4-BE49-F238E27FC236}">
+                <a16:creationId xmlns:a16="http://schemas.microsoft.com/office/drawing/2014/main" id="{56085686-0AD1-4D7B-ED65-73DBB7789A87}"/>
+              </a:ext>
+            </a:extLst>
+          </p:cNvPr>
+          <p:cNvSpPr/>
+          <p:nvPr/>
+        </p:nvSpPr>
+        <p:spPr>
+          <a:xfrm>
+            <a:off x="4175119" y="3932071"/>
+            <a:ext cx="1444631" cy="1753061"/>
+          </a:xfrm>
+          <a:prstGeom prst="cube">
+            <a:avLst/>
+          </a:prstGeom>
+        </p:spPr>
+        <p:style>
+          <a:lnRef idx="2">
+            <a:schemeClr val="accent1">
+              <a:shade val="50000"/>
+            </a:schemeClr>
+          </a:lnRef>
+          <a:fillRef idx="1">
+            <a:schemeClr val="accent1"/>
+          </a:fillRef>
+          <a:effectRef idx="0">
+            <a:schemeClr val="accent1"/>
+          </a:effectRef>
+          <a:fontRef idx="minor">
+            <a:schemeClr val="lt1"/>
+          </a:fontRef>
+        </p:style>
+        <p:txBody>
+          <a:bodyPr rtlCol="0" anchor="ctr"/>
+          <a:lstStyle/>
+          <a:p>
+            <a:pPr algn="ctr"/>
+            <a:endParaRPr lang="en-GB"/>
+          </a:p>
+        </p:txBody>
+      </p:sp>
+      <p:sp>
+        <p:nvSpPr>
+          <p:cNvPr id="9" name="Rectangle 8">
+            <a:extLst>
+              <a:ext uri="{FF2B5EF4-FFF2-40B4-BE49-F238E27FC236}">
+                <a16:creationId xmlns:a16="http://schemas.microsoft.com/office/drawing/2014/main" id="{84E0319A-F01C-0600-D9C6-AB26C70B2667}"/>
+              </a:ext>
+            </a:extLst>
+          </p:cNvPr>
+          <p:cNvSpPr/>
+          <p:nvPr/>
+        </p:nvSpPr>
+        <p:spPr>
+          <a:xfrm>
+            <a:off x="4446583" y="4441859"/>
+            <a:ext cx="600315" cy="153391"/>
+          </a:xfrm>
+          <a:prstGeom prst="rect">
+            <a:avLst/>
+          </a:prstGeom>
+        </p:spPr>
+        <p:style>
+          <a:lnRef idx="2">
+            <a:schemeClr val="accent1">
+              <a:shade val="50000"/>
+            </a:schemeClr>
+          </a:lnRef>
+          <a:fillRef idx="1">
+            <a:schemeClr val="accent1"/>
+          </a:fillRef>
+          <a:effectRef idx="0">
+            <a:schemeClr val="accent1"/>
+          </a:effectRef>
+          <a:fontRef idx="minor">
+            <a:schemeClr val="lt1"/>
+          </a:fontRef>
+        </p:style>
+        <p:txBody>
+          <a:bodyPr rtlCol="0" anchor="ctr"/>
+          <a:lstStyle/>
+          <a:p>
+            <a:pPr algn="ctr"/>
+            <a:endParaRPr lang="en-GB"/>
+          </a:p>
+        </p:txBody>
+      </p:sp>
+      <p:sp>
+        <p:nvSpPr>
+          <p:cNvPr id="10" name="Rectangle 9">
+            <a:extLst>
+              <a:ext uri="{FF2B5EF4-FFF2-40B4-BE49-F238E27FC236}">
+                <a16:creationId xmlns:a16="http://schemas.microsoft.com/office/drawing/2014/main" id="{3B4C1A29-4703-A6E3-4DB9-E752DFC4A9C3}"/>
+              </a:ext>
+            </a:extLst>
+          </p:cNvPr>
+          <p:cNvSpPr/>
+          <p:nvPr/>
+        </p:nvSpPr>
+        <p:spPr>
+          <a:xfrm>
+            <a:off x="4446583" y="4676643"/>
+            <a:ext cx="600315" cy="153391"/>
+          </a:xfrm>
+          <a:prstGeom prst="rect">
+            <a:avLst/>
+          </a:prstGeom>
+        </p:spPr>
+        <p:style>
+          <a:lnRef idx="2">
+            <a:schemeClr val="accent1">
+              <a:shade val="50000"/>
+            </a:schemeClr>
+          </a:lnRef>
+          <a:fillRef idx="1">
+            <a:schemeClr val="accent1"/>
+          </a:fillRef>
+          <a:effectRef idx="0">
+            <a:schemeClr val="accent1"/>
+          </a:effectRef>
+          <a:fontRef idx="minor">
+            <a:schemeClr val="lt1"/>
+          </a:fontRef>
+        </p:style>
+        <p:txBody>
+          <a:bodyPr rtlCol="0" anchor="ctr"/>
+          <a:lstStyle/>
+          <a:p>
+            <a:pPr algn="ctr"/>
+            <a:endParaRPr lang="en-GB"/>
+          </a:p>
+        </p:txBody>
+      </p:sp>
+      <p:sp>
+        <p:nvSpPr>
+          <p:cNvPr id="11" name="Rectangle 10">
+            <a:extLst>
+              <a:ext uri="{FF2B5EF4-FFF2-40B4-BE49-F238E27FC236}">
+                <a16:creationId xmlns:a16="http://schemas.microsoft.com/office/drawing/2014/main" id="{6C556EC1-D6A7-AA00-5A6D-54217DBF465C}"/>
+              </a:ext>
+            </a:extLst>
+          </p:cNvPr>
+          <p:cNvSpPr/>
+          <p:nvPr/>
+        </p:nvSpPr>
+        <p:spPr>
+          <a:xfrm>
+            <a:off x="4446582" y="4946103"/>
+            <a:ext cx="600315" cy="153391"/>
+          </a:xfrm>
+          <a:prstGeom prst="rect">
+            <a:avLst/>
+          </a:prstGeom>
+        </p:spPr>
+        <p:style>
+          <a:lnRef idx="2">
+            <a:schemeClr val="accent1">
+              <a:shade val="50000"/>
+            </a:schemeClr>
+          </a:lnRef>
+          <a:fillRef idx="1">
+            <a:schemeClr val="accent1"/>
+          </a:fillRef>
+          <a:effectRef idx="0">
+            <a:schemeClr val="accent1"/>
+          </a:effectRef>
+          <a:fontRef idx="minor">
+            <a:schemeClr val="lt1"/>
+          </a:fontRef>
+        </p:style>
+        <p:txBody>
+          <a:bodyPr rtlCol="0" anchor="ctr"/>
+          <a:lstStyle/>
+          <a:p>
+            <a:pPr algn="ctr"/>
+            <a:endParaRPr lang="en-GB"/>
+          </a:p>
+        </p:txBody>
+      </p:sp>
+      <p:sp>
+        <p:nvSpPr>
+          <p:cNvPr id="12" name="Frame 11">
+            <a:extLst>
+              <a:ext uri="{FF2B5EF4-FFF2-40B4-BE49-F238E27FC236}">
+                <a16:creationId xmlns:a16="http://schemas.microsoft.com/office/drawing/2014/main" id="{A97223D3-564B-E081-4549-BA710D2E702F}"/>
+              </a:ext>
+            </a:extLst>
+          </p:cNvPr>
+          <p:cNvSpPr/>
+          <p:nvPr/>
+        </p:nvSpPr>
+        <p:spPr>
+          <a:xfrm>
+            <a:off x="7239531" y="3932071"/>
+            <a:ext cx="1527172" cy="959248"/>
+          </a:xfrm>
+          <a:prstGeom prst="frame">
+            <a:avLst>
+              <a:gd name="adj1" fmla="val 4129"/>
+            </a:avLst>
+          </a:prstGeom>
+        </p:spPr>
+        <p:style>
+          <a:lnRef idx="2">
+            <a:schemeClr val="accent1">
+              <a:shade val="50000"/>
+            </a:schemeClr>
+          </a:lnRef>
+          <a:fillRef idx="1">
+            <a:schemeClr val="accent1"/>
+          </a:fillRef>
+          <a:effectRef idx="0">
+            <a:schemeClr val="accent1"/>
+          </a:effectRef>
+          <a:fontRef idx="minor">
+            <a:schemeClr val="lt1"/>
+          </a:fontRef>
+        </p:style>
+        <p:txBody>
+          <a:bodyPr rtlCol="0" anchor="ctr"/>
+          <a:lstStyle/>
+          <a:p>
+            <a:pPr algn="ctr"/>
+            <a:endParaRPr lang="en-GB" dirty="0">
+              <a:solidFill>
+                <a:schemeClr val="tx1"/>
+              </a:solidFill>
+            </a:endParaRPr>
+          </a:p>
+        </p:txBody>
+      </p:sp>
+      <p:sp>
+        <p:nvSpPr>
+          <p:cNvPr id="13" name="Trapezoid 12">
+            <a:extLst>
+              <a:ext uri="{FF2B5EF4-FFF2-40B4-BE49-F238E27FC236}">
+                <a16:creationId xmlns:a16="http://schemas.microsoft.com/office/drawing/2014/main" id="{2A21E5B1-620E-45E9-CC69-97168454AD83}"/>
+              </a:ext>
+            </a:extLst>
+          </p:cNvPr>
+          <p:cNvSpPr/>
+          <p:nvPr/>
+        </p:nvSpPr>
+        <p:spPr>
+          <a:xfrm>
+            <a:off x="7044798" y="4954718"/>
+            <a:ext cx="1942040" cy="805888"/>
+          </a:xfrm>
+          <a:prstGeom prst="trapezoid">
+            <a:avLst/>
+          </a:prstGeom>
+        </p:spPr>
+        <p:style>
+          <a:lnRef idx="2">
+            <a:schemeClr val="accent1">
+              <a:shade val="50000"/>
+            </a:schemeClr>
+          </a:lnRef>
+          <a:fillRef idx="1">
+            <a:schemeClr val="accent1"/>
+          </a:fillRef>
+          <a:effectRef idx="0">
+            <a:schemeClr val="accent1"/>
+          </a:effectRef>
+          <a:fontRef idx="minor">
+            <a:schemeClr val="lt1"/>
+          </a:fontRef>
+        </p:style>
+        <p:txBody>
+          <a:bodyPr rtlCol="0" anchor="ctr"/>
+          <a:lstStyle/>
+          <a:p>
+            <a:pPr algn="ctr"/>
+            <a:endParaRPr lang="en-GB" dirty="0"/>
+          </a:p>
+        </p:txBody>
+      </p:sp>
+      <p:sp>
+        <p:nvSpPr>
+          <p:cNvPr id="14" name="TextBox 13">
+            <a:extLst>
+              <a:ext uri="{FF2B5EF4-FFF2-40B4-BE49-F238E27FC236}">
+                <a16:creationId xmlns:a16="http://schemas.microsoft.com/office/drawing/2014/main" id="{8A26003B-E395-0CEB-2A78-990B1423AD8F}"/>
+              </a:ext>
+            </a:extLst>
+          </p:cNvPr>
+          <p:cNvSpPr txBox="1"/>
+          <p:nvPr/>
+        </p:nvSpPr>
+        <p:spPr>
+          <a:xfrm>
+            <a:off x="966072" y="5965465"/>
+            <a:ext cx="2019300" cy="369332"/>
+          </a:xfrm>
+          <a:prstGeom prst="rect">
+            <a:avLst/>
+          </a:prstGeom>
+          <a:noFill/>
+        </p:spPr>
+        <p:txBody>
+          <a:bodyPr wrap="square" rtlCol="0">
+            <a:spAutoFit/>
+          </a:bodyPr>
+          <a:lstStyle/>
+          <a:p>
+            <a:r>
+              <a:rPr lang="sr-Latn-RS" dirty="0">
+                <a:solidFill>
+                  <a:srgbClr val="90C226"/>
+                </a:solidFill>
+              </a:rPr>
+              <a:t>Baza</a:t>
+            </a:r>
+            <a:r>
+              <a:rPr lang="sr-Latn-RS" dirty="0"/>
+              <a:t> </a:t>
+            </a:r>
+            <a:r>
+              <a:rPr lang="sr-Latn-RS" dirty="0">
+                <a:solidFill>
+                  <a:srgbClr val="90C226"/>
+                </a:solidFill>
+              </a:rPr>
+              <a:t>podataka</a:t>
+            </a:r>
+            <a:endParaRPr lang="en-GB" dirty="0">
+              <a:solidFill>
+                <a:srgbClr val="90C226"/>
+              </a:solidFill>
+            </a:endParaRPr>
+          </a:p>
+        </p:txBody>
+      </p:sp>
+      <p:sp>
+        <p:nvSpPr>
+          <p:cNvPr id="15" name="TextBox 14">
+            <a:extLst>
+              <a:ext uri="{FF2B5EF4-FFF2-40B4-BE49-F238E27FC236}">
+                <a16:creationId xmlns:a16="http://schemas.microsoft.com/office/drawing/2014/main" id="{DFF195D2-FFE1-7D20-F356-86F4027AFAB7}"/>
+              </a:ext>
+            </a:extLst>
+          </p:cNvPr>
+          <p:cNvSpPr txBox="1"/>
+          <p:nvPr/>
+        </p:nvSpPr>
+        <p:spPr>
+          <a:xfrm>
+            <a:off x="4446582" y="5973294"/>
+            <a:ext cx="2019300" cy="369332"/>
+          </a:xfrm>
+          <a:prstGeom prst="rect">
+            <a:avLst/>
+          </a:prstGeom>
+          <a:noFill/>
+        </p:spPr>
+        <p:txBody>
+          <a:bodyPr wrap="square" rtlCol="0">
+            <a:spAutoFit/>
+          </a:bodyPr>
+          <a:lstStyle/>
+          <a:p>
+            <a:r>
+              <a:rPr lang="sr-Latn-RS" dirty="0">
+                <a:solidFill>
+                  <a:srgbClr val="90C226"/>
+                </a:solidFill>
+              </a:rPr>
+              <a:t>Server</a:t>
+            </a:r>
+          </a:p>
+        </p:txBody>
+      </p:sp>
+      <p:sp>
+        <p:nvSpPr>
+          <p:cNvPr id="16" name="TextBox 15">
+            <a:extLst>
+              <a:ext uri="{FF2B5EF4-FFF2-40B4-BE49-F238E27FC236}">
+                <a16:creationId xmlns:a16="http://schemas.microsoft.com/office/drawing/2014/main" id="{A01229BE-4222-D0CB-520C-0DB18A799DBA}"/>
+              </a:ext>
+            </a:extLst>
+          </p:cNvPr>
+          <p:cNvSpPr txBox="1"/>
+          <p:nvPr/>
+        </p:nvSpPr>
+        <p:spPr>
+          <a:xfrm>
+            <a:off x="7640465" y="5973294"/>
+            <a:ext cx="2019300" cy="369332"/>
+          </a:xfrm>
+          <a:prstGeom prst="rect">
+            <a:avLst/>
+          </a:prstGeom>
+          <a:noFill/>
+        </p:spPr>
+        <p:txBody>
+          <a:bodyPr wrap="square" rtlCol="0">
+            <a:spAutoFit/>
+          </a:bodyPr>
+          <a:lstStyle/>
+          <a:p>
+            <a:r>
+              <a:rPr lang="sr-Latn-RS" dirty="0">
+                <a:solidFill>
+                  <a:srgbClr val="90C226"/>
+                </a:solidFill>
+              </a:rPr>
+              <a:t>Klijent</a:t>
+            </a:r>
+          </a:p>
+        </p:txBody>
+      </p:sp>
+      <p:sp>
+        <p:nvSpPr>
+          <p:cNvPr id="21" name="Arrow: Left-Right 20">
+            <a:extLst>
+              <a:ext uri="{FF2B5EF4-FFF2-40B4-BE49-F238E27FC236}">
+                <a16:creationId xmlns:a16="http://schemas.microsoft.com/office/drawing/2014/main" id="{C497A530-E687-DEAC-80A5-934D05461454}"/>
+              </a:ext>
+            </a:extLst>
+          </p:cNvPr>
+          <p:cNvSpPr/>
+          <p:nvPr/>
+        </p:nvSpPr>
+        <p:spPr>
+          <a:xfrm>
+            <a:off x="5957538" y="4744028"/>
+            <a:ext cx="900828" cy="171665"/>
+          </a:xfrm>
+          <a:prstGeom prst="leftRightArrow">
+            <a:avLst/>
+          </a:prstGeom>
+        </p:spPr>
+        <p:style>
+          <a:lnRef idx="2">
+            <a:schemeClr val="accent1">
+              <a:shade val="50000"/>
+            </a:schemeClr>
+          </a:lnRef>
+          <a:fillRef idx="1">
+            <a:schemeClr val="accent1"/>
+          </a:fillRef>
+          <a:effectRef idx="0">
+            <a:schemeClr val="accent1"/>
+          </a:effectRef>
+          <a:fontRef idx="minor">
+            <a:schemeClr val="lt1"/>
+          </a:fontRef>
+        </p:style>
+        <p:txBody>
+          <a:bodyPr rtlCol="0" anchor="ctr"/>
+          <a:lstStyle/>
+          <a:p>
+            <a:pPr algn="ctr"/>
+            <a:endParaRPr lang="en-GB"/>
+          </a:p>
+        </p:txBody>
+      </p:sp>
+      <p:sp>
+        <p:nvSpPr>
+          <p:cNvPr id="22" name="Arrow: Left-Right 21">
+            <a:extLst>
+              <a:ext uri="{FF2B5EF4-FFF2-40B4-BE49-F238E27FC236}">
+                <a16:creationId xmlns:a16="http://schemas.microsoft.com/office/drawing/2014/main" id="{879D23B1-D46C-F2CF-9AFE-56A3EE6F6FB9}"/>
+              </a:ext>
+            </a:extLst>
+          </p:cNvPr>
+          <p:cNvSpPr/>
+          <p:nvPr/>
+        </p:nvSpPr>
+        <p:spPr>
+          <a:xfrm>
+            <a:off x="2875653" y="4744201"/>
+            <a:ext cx="900828" cy="171665"/>
+          </a:xfrm>
+          <a:prstGeom prst="leftRightArrow">
+            <a:avLst/>
+          </a:prstGeom>
+        </p:spPr>
+        <p:style>
+          <a:lnRef idx="2">
+            <a:schemeClr val="accent1">
+              <a:shade val="50000"/>
+            </a:schemeClr>
+          </a:lnRef>
+          <a:fillRef idx="1">
+            <a:schemeClr val="accent1"/>
+          </a:fillRef>
+          <a:effectRef idx="0">
+            <a:schemeClr val="accent1"/>
+          </a:effectRef>
+          <a:fontRef idx="minor">
+            <a:schemeClr val="lt1"/>
+          </a:fontRef>
+        </p:style>
+        <p:txBody>
+          <a:bodyPr rtlCol="0" anchor="ctr"/>
+          <a:lstStyle/>
+          <a:p>
+            <a:pPr algn="ctr"/>
             <a:endParaRPr lang="en-GB"/>
           </a:p>
         </p:txBody>
@@ -6622,12 +7572,940 @@
             <p:ph idx="1"/>
           </p:nvPr>
         </p:nvSpPr>
-        <p:spPr/>
-        <p:txBody>
-          <a:bodyPr/>
-          <a:lstStyle/>
-          <a:p>
+        <p:spPr>
+          <a:xfrm>
+            <a:off x="1205939" y="4540909"/>
+            <a:ext cx="3975661" cy="2049123"/>
+          </a:xfrm>
+        </p:spPr>
+        <p:txBody>
+          <a:bodyPr>
+            <a:normAutofit fontScale="92500" lnSpcReduction="20000"/>
+          </a:bodyPr>
+          <a:lstStyle/>
+          <a:p>
+            <a:pPr marL="0" indent="0">
+              <a:buNone/>
+            </a:pPr>
+            <a:r>
+              <a:rPr lang="sr-Latn-RS" dirty="0"/>
+              <a:t>Administrator</a:t>
+            </a:r>
+          </a:p>
+          <a:p>
+            <a:pPr marL="0" indent="0">
+              <a:buNone/>
+            </a:pPr>
+            <a:r>
+              <a:rPr lang="en-GB" dirty="0"/>
+              <a:t>============</a:t>
+            </a:r>
+          </a:p>
+          <a:p>
+            <a:pPr marL="0" indent="0">
+              <a:buNone/>
+            </a:pPr>
+            <a:r>
+              <a:rPr lang="en-GB" dirty="0" err="1"/>
+              <a:t>Kreira</a:t>
+            </a:r>
+            <a:r>
+              <a:rPr lang="en-GB" dirty="0"/>
+              <a:t> </a:t>
+            </a:r>
+            <a:r>
+              <a:rPr lang="en-GB" dirty="0" err="1"/>
+              <a:t>korisnike</a:t>
+            </a:r>
+            <a:endParaRPr lang="en-GB" dirty="0"/>
+          </a:p>
+          <a:p>
+            <a:pPr marL="0" indent="0">
+              <a:buNone/>
+            </a:pPr>
+            <a:r>
+              <a:rPr lang="en-GB" dirty="0" err="1"/>
+              <a:t>Kreira</a:t>
+            </a:r>
+            <a:r>
+              <a:rPr lang="en-GB" dirty="0"/>
+              <a:t> </a:t>
+            </a:r>
+            <a:r>
+              <a:rPr lang="en-GB" dirty="0" err="1"/>
+              <a:t>kamp</a:t>
+            </a:r>
+            <a:endParaRPr lang="en-GB" dirty="0"/>
+          </a:p>
+          <a:p>
+            <a:pPr marL="0" indent="0">
+              <a:buNone/>
+            </a:pPr>
+            <a:r>
+              <a:rPr lang="en-GB" dirty="0" err="1"/>
+              <a:t>Kreira</a:t>
+            </a:r>
+            <a:r>
+              <a:rPr lang="en-GB" dirty="0"/>
+              <a:t> </a:t>
+            </a:r>
+            <a:r>
+              <a:rPr lang="en-GB" dirty="0" err="1"/>
+              <a:t>obavje</a:t>
+            </a:r>
+            <a:r>
+              <a:rPr lang="sr-Latn-RS" dirty="0"/>
+              <a:t>štenja</a:t>
+            </a:r>
+            <a:endParaRPr lang="en-GB" dirty="0"/>
+          </a:p>
+          <a:p>
+            <a:pPr marL="0" indent="0">
+              <a:buNone/>
+            </a:pPr>
+            <a:r>
+              <a:rPr lang="en-GB" dirty="0"/>
+              <a:t>============</a:t>
+            </a:r>
+          </a:p>
+        </p:txBody>
+      </p:sp>
+      <p:sp>
+        <p:nvSpPr>
+          <p:cNvPr id="4" name="Oval 3">
+            <a:extLst>
+              <a:ext uri="{FF2B5EF4-FFF2-40B4-BE49-F238E27FC236}">
+                <a16:creationId xmlns:a16="http://schemas.microsoft.com/office/drawing/2014/main" id="{CF1B7A8F-A3FE-1824-9F2F-049DB58257C9}"/>
+              </a:ext>
+            </a:extLst>
+          </p:cNvPr>
+          <p:cNvSpPr/>
+          <p:nvPr/>
+        </p:nvSpPr>
+        <p:spPr>
+          <a:xfrm>
+            <a:off x="1573586" y="2829465"/>
+            <a:ext cx="1068668" cy="1019175"/>
+          </a:xfrm>
+          <a:prstGeom prst="ellipse">
+            <a:avLst/>
+          </a:prstGeom>
+        </p:spPr>
+        <p:style>
+          <a:lnRef idx="2">
+            <a:schemeClr val="accent1">
+              <a:shade val="50000"/>
+            </a:schemeClr>
+          </a:lnRef>
+          <a:fillRef idx="1">
+            <a:schemeClr val="accent1"/>
+          </a:fillRef>
+          <a:effectRef idx="0">
+            <a:schemeClr val="accent1"/>
+          </a:effectRef>
+          <a:fontRef idx="minor">
+            <a:schemeClr val="lt1"/>
+          </a:fontRef>
+        </p:style>
+        <p:txBody>
+          <a:bodyPr rtlCol="0" anchor="ctr"/>
+          <a:lstStyle/>
+          <a:p>
+            <a:pPr algn="ctr"/>
+            <a:endParaRPr lang="en-GB" dirty="0"/>
+          </a:p>
+        </p:txBody>
+      </p:sp>
+      <p:sp>
+        <p:nvSpPr>
+          <p:cNvPr id="6" name="Moon 5">
+            <a:extLst>
+              <a:ext uri="{FF2B5EF4-FFF2-40B4-BE49-F238E27FC236}">
+                <a16:creationId xmlns:a16="http://schemas.microsoft.com/office/drawing/2014/main" id="{64141C7B-916A-2E76-3C02-AB0BB6097235}"/>
+              </a:ext>
+            </a:extLst>
+          </p:cNvPr>
+          <p:cNvSpPr/>
+          <p:nvPr/>
+        </p:nvSpPr>
+        <p:spPr>
+          <a:xfrm rot="5400000">
+            <a:off x="1912926" y="3074979"/>
+            <a:ext cx="389988" cy="1937311"/>
+          </a:xfrm>
+          <a:prstGeom prst="moon">
+            <a:avLst>
+              <a:gd name="adj" fmla="val 87500"/>
+            </a:avLst>
+          </a:prstGeom>
+        </p:spPr>
+        <p:style>
+          <a:lnRef idx="2">
+            <a:schemeClr val="accent1">
+              <a:shade val="50000"/>
+            </a:schemeClr>
+          </a:lnRef>
+          <a:fillRef idx="1">
+            <a:schemeClr val="accent1"/>
+          </a:fillRef>
+          <a:effectRef idx="0">
+            <a:schemeClr val="accent1"/>
+          </a:effectRef>
+          <a:fontRef idx="minor">
+            <a:schemeClr val="lt1"/>
+          </a:fontRef>
+        </p:style>
+        <p:txBody>
+          <a:bodyPr rtlCol="0" anchor="ctr"/>
+          <a:lstStyle/>
+          <a:p>
+            <a:pPr algn="ctr"/>
             <a:endParaRPr lang="en-GB"/>
+          </a:p>
+        </p:txBody>
+      </p:sp>
+      <p:sp>
+        <p:nvSpPr>
+          <p:cNvPr id="7" name="Oval 6">
+            <a:extLst>
+              <a:ext uri="{FF2B5EF4-FFF2-40B4-BE49-F238E27FC236}">
+                <a16:creationId xmlns:a16="http://schemas.microsoft.com/office/drawing/2014/main" id="{4F9570FF-76F1-563C-73B1-8F66BC1AECA3}"/>
+              </a:ext>
+            </a:extLst>
+          </p:cNvPr>
+          <p:cNvSpPr/>
+          <p:nvPr/>
+        </p:nvSpPr>
+        <p:spPr>
+          <a:xfrm>
+            <a:off x="1743075" y="3171825"/>
+            <a:ext cx="295275" cy="257175"/>
+          </a:xfrm>
+          <a:prstGeom prst="ellipse">
+            <a:avLst/>
+          </a:prstGeom>
+        </p:spPr>
+        <p:style>
+          <a:lnRef idx="2">
+            <a:schemeClr val="accent1">
+              <a:shade val="50000"/>
+            </a:schemeClr>
+          </a:lnRef>
+          <a:fillRef idx="1">
+            <a:schemeClr val="accent1"/>
+          </a:fillRef>
+          <a:effectRef idx="0">
+            <a:schemeClr val="accent1"/>
+          </a:effectRef>
+          <a:fontRef idx="minor">
+            <a:schemeClr val="lt1"/>
+          </a:fontRef>
+        </p:style>
+        <p:txBody>
+          <a:bodyPr rtlCol="0" anchor="ctr"/>
+          <a:lstStyle/>
+          <a:p>
+            <a:pPr algn="ctr"/>
+            <a:endParaRPr lang="en-GB"/>
+          </a:p>
+        </p:txBody>
+      </p:sp>
+      <p:cxnSp>
+        <p:nvCxnSpPr>
+          <p:cNvPr id="9" name="Straight Connector 8">
+            <a:extLst>
+              <a:ext uri="{FF2B5EF4-FFF2-40B4-BE49-F238E27FC236}">
+                <a16:creationId xmlns:a16="http://schemas.microsoft.com/office/drawing/2014/main" id="{4987F2F8-414D-7C30-28BC-5D47774BBA24}"/>
+              </a:ext>
+            </a:extLst>
+          </p:cNvPr>
+          <p:cNvCxnSpPr>
+            <a:cxnSpLocks/>
+          </p:cNvCxnSpPr>
+          <p:nvPr/>
+        </p:nvCxnSpPr>
+        <p:spPr>
+          <a:xfrm flipV="1">
+            <a:off x="2013652" y="3129089"/>
+            <a:ext cx="563842" cy="85471"/>
+          </a:xfrm>
+          <a:prstGeom prst="line">
+            <a:avLst/>
+          </a:prstGeom>
+          <a:ln>
+            <a:solidFill>
+              <a:schemeClr val="bg1"/>
+            </a:solidFill>
+          </a:ln>
+        </p:spPr>
+        <p:style>
+          <a:lnRef idx="1">
+            <a:schemeClr val="accent1"/>
+          </a:lnRef>
+          <a:fillRef idx="0">
+            <a:schemeClr val="accent1"/>
+          </a:fillRef>
+          <a:effectRef idx="0">
+            <a:schemeClr val="accent1"/>
+          </a:effectRef>
+          <a:fontRef idx="minor">
+            <a:schemeClr val="tx1"/>
+          </a:fontRef>
+        </p:style>
+      </p:cxnSp>
+      <p:cxnSp>
+        <p:nvCxnSpPr>
+          <p:cNvPr id="12" name="Straight Connector 11">
+            <a:extLst>
+              <a:ext uri="{FF2B5EF4-FFF2-40B4-BE49-F238E27FC236}">
+                <a16:creationId xmlns:a16="http://schemas.microsoft.com/office/drawing/2014/main" id="{08388768-8AE4-FC08-9100-8A472B07B1A4}"/>
+              </a:ext>
+            </a:extLst>
+          </p:cNvPr>
+          <p:cNvCxnSpPr>
+            <a:cxnSpLocks/>
+            <a:endCxn id="7" idx="1"/>
+          </p:cNvCxnSpPr>
+          <p:nvPr/>
+        </p:nvCxnSpPr>
+        <p:spPr>
+          <a:xfrm>
+            <a:off x="1592636" y="3121379"/>
+            <a:ext cx="193681" cy="88108"/>
+          </a:xfrm>
+          <a:prstGeom prst="line">
+            <a:avLst/>
+          </a:prstGeom>
+          <a:ln>
+            <a:solidFill>
+              <a:schemeClr val="bg1"/>
+            </a:solidFill>
+          </a:ln>
+        </p:spPr>
+        <p:style>
+          <a:lnRef idx="1">
+            <a:schemeClr val="accent1"/>
+          </a:lnRef>
+          <a:fillRef idx="0">
+            <a:schemeClr val="accent1"/>
+          </a:fillRef>
+          <a:effectRef idx="0">
+            <a:schemeClr val="accent1"/>
+          </a:effectRef>
+          <a:fontRef idx="minor">
+            <a:schemeClr val="tx1"/>
+          </a:fontRef>
+        </p:style>
+      </p:cxnSp>
+      <p:sp>
+        <p:nvSpPr>
+          <p:cNvPr id="15" name="Oval 14">
+            <a:extLst>
+              <a:ext uri="{FF2B5EF4-FFF2-40B4-BE49-F238E27FC236}">
+                <a16:creationId xmlns:a16="http://schemas.microsoft.com/office/drawing/2014/main" id="{8FE7D5A8-9EB4-D112-0083-B08DA72F29D7}"/>
+              </a:ext>
+            </a:extLst>
+          </p:cNvPr>
+          <p:cNvSpPr/>
+          <p:nvPr/>
+        </p:nvSpPr>
+        <p:spPr>
+          <a:xfrm>
+            <a:off x="2181248" y="3249611"/>
+            <a:ext cx="253347" cy="144337"/>
+          </a:xfrm>
+          <a:prstGeom prst="ellipse">
+            <a:avLst/>
+          </a:prstGeom>
+        </p:spPr>
+        <p:style>
+          <a:lnRef idx="2">
+            <a:schemeClr val="accent1">
+              <a:shade val="50000"/>
+            </a:schemeClr>
+          </a:lnRef>
+          <a:fillRef idx="1">
+            <a:schemeClr val="accent1"/>
+          </a:fillRef>
+          <a:effectRef idx="0">
+            <a:schemeClr val="accent1"/>
+          </a:effectRef>
+          <a:fontRef idx="minor">
+            <a:schemeClr val="lt1"/>
+          </a:fontRef>
+        </p:style>
+        <p:txBody>
+          <a:bodyPr rtlCol="0" anchor="ctr"/>
+          <a:lstStyle/>
+          <a:p>
+            <a:pPr algn="ctr"/>
+            <a:endParaRPr lang="en-GB"/>
+          </a:p>
+        </p:txBody>
+      </p:sp>
+      <p:sp>
+        <p:nvSpPr>
+          <p:cNvPr id="17" name="Flowchart: Magnetic Disk 16">
+            <a:extLst>
+              <a:ext uri="{FF2B5EF4-FFF2-40B4-BE49-F238E27FC236}">
+                <a16:creationId xmlns:a16="http://schemas.microsoft.com/office/drawing/2014/main" id="{33139519-A7EC-A563-7B80-32860CB63463}"/>
+              </a:ext>
+            </a:extLst>
+          </p:cNvPr>
+          <p:cNvSpPr/>
+          <p:nvPr/>
+        </p:nvSpPr>
+        <p:spPr>
+          <a:xfrm>
+            <a:off x="6546762" y="3131289"/>
+            <a:ext cx="609601" cy="525318"/>
+          </a:xfrm>
+          <a:prstGeom prst="flowChartMagneticDisk">
+            <a:avLst/>
+          </a:prstGeom>
+        </p:spPr>
+        <p:style>
+          <a:lnRef idx="2">
+            <a:schemeClr val="accent1">
+              <a:shade val="50000"/>
+            </a:schemeClr>
+          </a:lnRef>
+          <a:fillRef idx="1">
+            <a:schemeClr val="accent1"/>
+          </a:fillRef>
+          <a:effectRef idx="0">
+            <a:schemeClr val="accent1"/>
+          </a:effectRef>
+          <a:fontRef idx="minor">
+            <a:schemeClr val="lt1"/>
+          </a:fontRef>
+        </p:style>
+        <p:txBody>
+          <a:bodyPr rtlCol="0" anchor="ctr"/>
+          <a:lstStyle/>
+          <a:p>
+            <a:pPr algn="ctr"/>
+            <a:endParaRPr lang="en-GB" dirty="0"/>
+          </a:p>
+        </p:txBody>
+      </p:sp>
+      <p:sp>
+        <p:nvSpPr>
+          <p:cNvPr id="18" name="Flowchart: Magnetic Disk 17">
+            <a:extLst>
+              <a:ext uri="{FF2B5EF4-FFF2-40B4-BE49-F238E27FC236}">
+                <a16:creationId xmlns:a16="http://schemas.microsoft.com/office/drawing/2014/main" id="{8CD21C12-7DD4-22C4-5C54-02648D063CF9}"/>
+              </a:ext>
+            </a:extLst>
+          </p:cNvPr>
+          <p:cNvSpPr/>
+          <p:nvPr/>
+        </p:nvSpPr>
+        <p:spPr>
+          <a:xfrm>
+            <a:off x="6282444" y="2548739"/>
+            <a:ext cx="1138238" cy="831580"/>
+          </a:xfrm>
+          <a:prstGeom prst="flowChartMagneticDisk">
+            <a:avLst/>
+          </a:prstGeom>
+        </p:spPr>
+        <p:style>
+          <a:lnRef idx="2">
+            <a:schemeClr val="accent1">
+              <a:shade val="50000"/>
+            </a:schemeClr>
+          </a:lnRef>
+          <a:fillRef idx="1">
+            <a:schemeClr val="accent1"/>
+          </a:fillRef>
+          <a:effectRef idx="0">
+            <a:schemeClr val="accent1"/>
+          </a:effectRef>
+          <a:fontRef idx="minor">
+            <a:schemeClr val="lt1"/>
+          </a:fontRef>
+        </p:style>
+        <p:txBody>
+          <a:bodyPr rtlCol="0" anchor="ctr"/>
+          <a:lstStyle/>
+          <a:p>
+            <a:pPr algn="ctr"/>
+            <a:endParaRPr lang="en-GB"/>
+          </a:p>
+        </p:txBody>
+      </p:sp>
+      <p:sp>
+        <p:nvSpPr>
+          <p:cNvPr id="19" name="Rectangle: Rounded Corners 18">
+            <a:extLst>
+              <a:ext uri="{FF2B5EF4-FFF2-40B4-BE49-F238E27FC236}">
+                <a16:creationId xmlns:a16="http://schemas.microsoft.com/office/drawing/2014/main" id="{02842DD0-CE8C-8D07-C760-62E2C4407C63}"/>
+              </a:ext>
+            </a:extLst>
+          </p:cNvPr>
+          <p:cNvSpPr/>
+          <p:nvPr/>
+        </p:nvSpPr>
+        <p:spPr>
+          <a:xfrm>
+            <a:off x="6065750" y="3537736"/>
+            <a:ext cx="1563776" cy="831581"/>
+          </a:xfrm>
+          <a:prstGeom prst="roundRect">
+            <a:avLst/>
+          </a:prstGeom>
+        </p:spPr>
+        <p:style>
+          <a:lnRef idx="2">
+            <a:schemeClr val="accent1">
+              <a:shade val="50000"/>
+            </a:schemeClr>
+          </a:lnRef>
+          <a:fillRef idx="1">
+            <a:schemeClr val="accent1"/>
+          </a:fillRef>
+          <a:effectRef idx="0">
+            <a:schemeClr val="accent1"/>
+          </a:effectRef>
+          <a:fontRef idx="minor">
+            <a:schemeClr val="lt1"/>
+          </a:fontRef>
+        </p:style>
+        <p:txBody>
+          <a:bodyPr rtlCol="0" anchor="ctr"/>
+          <a:lstStyle/>
+          <a:p>
+            <a:pPr algn="ctr"/>
+            <a:r>
+              <a:rPr lang="sr-Latn-RS" dirty="0"/>
+              <a:t>STAF</a:t>
+            </a:r>
+          </a:p>
+        </p:txBody>
+      </p:sp>
+      <p:sp>
+        <p:nvSpPr>
+          <p:cNvPr id="20" name="Oval 19">
+            <a:extLst>
+              <a:ext uri="{FF2B5EF4-FFF2-40B4-BE49-F238E27FC236}">
+                <a16:creationId xmlns:a16="http://schemas.microsoft.com/office/drawing/2014/main" id="{BB1DD32C-AE7D-AFC7-3FE1-887BB7B5254F}"/>
+              </a:ext>
+            </a:extLst>
+          </p:cNvPr>
+          <p:cNvSpPr/>
+          <p:nvPr/>
+        </p:nvSpPr>
+        <p:spPr>
+          <a:xfrm>
+            <a:off x="6482002" y="2914650"/>
+            <a:ext cx="295275" cy="257175"/>
+          </a:xfrm>
+          <a:prstGeom prst="ellipse">
+            <a:avLst/>
+          </a:prstGeom>
+        </p:spPr>
+        <p:style>
+          <a:lnRef idx="2">
+            <a:schemeClr val="accent1">
+              <a:shade val="50000"/>
+            </a:schemeClr>
+          </a:lnRef>
+          <a:fillRef idx="1">
+            <a:schemeClr val="accent1"/>
+          </a:fillRef>
+          <a:effectRef idx="0">
+            <a:schemeClr val="accent1"/>
+          </a:effectRef>
+          <a:fontRef idx="minor">
+            <a:schemeClr val="lt1"/>
+          </a:fontRef>
+        </p:style>
+        <p:txBody>
+          <a:bodyPr rtlCol="0" anchor="ctr"/>
+          <a:lstStyle/>
+          <a:p>
+            <a:pPr algn="ctr"/>
+            <a:endParaRPr lang="en-GB"/>
+          </a:p>
+        </p:txBody>
+      </p:sp>
+      <p:sp>
+        <p:nvSpPr>
+          <p:cNvPr id="21" name="Oval 20">
+            <a:extLst>
+              <a:ext uri="{FF2B5EF4-FFF2-40B4-BE49-F238E27FC236}">
+                <a16:creationId xmlns:a16="http://schemas.microsoft.com/office/drawing/2014/main" id="{8BA56A30-377D-0A65-7BFA-E6A9E6A5B673}"/>
+              </a:ext>
+            </a:extLst>
+          </p:cNvPr>
+          <p:cNvSpPr/>
+          <p:nvPr/>
+        </p:nvSpPr>
+        <p:spPr>
+          <a:xfrm>
+            <a:off x="6920175" y="2992436"/>
+            <a:ext cx="253347" cy="144337"/>
+          </a:xfrm>
+          <a:prstGeom prst="ellipse">
+            <a:avLst/>
+          </a:prstGeom>
+        </p:spPr>
+        <p:style>
+          <a:lnRef idx="2">
+            <a:schemeClr val="accent1">
+              <a:shade val="50000"/>
+            </a:schemeClr>
+          </a:lnRef>
+          <a:fillRef idx="1">
+            <a:schemeClr val="accent1"/>
+          </a:fillRef>
+          <a:effectRef idx="0">
+            <a:schemeClr val="accent1"/>
+          </a:effectRef>
+          <a:fontRef idx="minor">
+            <a:schemeClr val="lt1"/>
+          </a:fontRef>
+        </p:style>
+        <p:txBody>
+          <a:bodyPr rtlCol="0" anchor="ctr"/>
+          <a:lstStyle/>
+          <a:p>
+            <a:pPr algn="ctr"/>
+            <a:endParaRPr lang="en-GB"/>
+          </a:p>
+        </p:txBody>
+      </p:sp>
+      <p:sp>
+        <p:nvSpPr>
+          <p:cNvPr id="25" name="Content Placeholder 2">
+            <a:extLst>
+              <a:ext uri="{FF2B5EF4-FFF2-40B4-BE49-F238E27FC236}">
+                <a16:creationId xmlns:a16="http://schemas.microsoft.com/office/drawing/2014/main" id="{0BA7156D-E403-EA43-B413-3EC0D9871577}"/>
+              </a:ext>
+            </a:extLst>
+          </p:cNvPr>
+          <p:cNvSpPr txBox="1">
+            <a:spLocks/>
+          </p:cNvSpPr>
+          <p:nvPr/>
+        </p:nvSpPr>
+        <p:spPr>
+          <a:xfrm>
+            <a:off x="6096000" y="4744109"/>
+            <a:ext cx="3975661" cy="2049123"/>
+          </a:xfrm>
+          <a:prstGeom prst="rect">
+            <a:avLst/>
+          </a:prstGeom>
+        </p:spPr>
+        <p:txBody>
+          <a:bodyPr vert="horz" lIns="91440" tIns="45720" rIns="91440" bIns="45720" rtlCol="0">
+            <a:normAutofit/>
+          </a:bodyPr>
+          <a:lstStyle>
+            <a:lvl1pPr marL="342900" indent="-342900" algn="l" defTabSz="457200" rtl="0" eaLnBrk="1" latinLnBrk="0" hangingPunct="1">
+              <a:spcBef>
+                <a:spcPts val="1000"/>
+              </a:spcBef>
+              <a:spcAft>
+                <a:spcPts val="0"/>
+              </a:spcAft>
+              <a:buClr>
+                <a:schemeClr val="accent1"/>
+              </a:buClr>
+              <a:buSzPct val="80000"/>
+              <a:buFont typeface="Wingdings 3" charset="2"/>
+              <a:buChar char=""/>
+              <a:defRPr sz="1800" kern="1200">
+                <a:solidFill>
+                  <a:schemeClr val="tx1">
+                    <a:lumMod val="75000"/>
+                    <a:lumOff val="25000"/>
+                  </a:schemeClr>
+                </a:solidFill>
+                <a:latin typeface="+mn-lt"/>
+                <a:ea typeface="+mn-ea"/>
+                <a:cs typeface="+mn-cs"/>
+              </a:defRPr>
+            </a:lvl1pPr>
+            <a:lvl2pPr marL="742950" indent="-285750" algn="l" defTabSz="457200" rtl="0" eaLnBrk="1" latinLnBrk="0" hangingPunct="1">
+              <a:spcBef>
+                <a:spcPts val="1000"/>
+              </a:spcBef>
+              <a:spcAft>
+                <a:spcPts val="0"/>
+              </a:spcAft>
+              <a:buClr>
+                <a:schemeClr val="accent1"/>
+              </a:buClr>
+              <a:buSzPct val="80000"/>
+              <a:buFont typeface="Wingdings 3" charset="2"/>
+              <a:buChar char=""/>
+              <a:defRPr sz="1600" kern="1200">
+                <a:solidFill>
+                  <a:schemeClr val="tx1">
+                    <a:lumMod val="75000"/>
+                    <a:lumOff val="25000"/>
+                  </a:schemeClr>
+                </a:solidFill>
+                <a:latin typeface="+mn-lt"/>
+                <a:ea typeface="+mn-ea"/>
+                <a:cs typeface="+mn-cs"/>
+              </a:defRPr>
+            </a:lvl2pPr>
+            <a:lvl3pPr marL="1143000" indent="-228600" algn="l" defTabSz="457200" rtl="0" eaLnBrk="1" latinLnBrk="0" hangingPunct="1">
+              <a:spcBef>
+                <a:spcPts val="1000"/>
+              </a:spcBef>
+              <a:spcAft>
+                <a:spcPts val="0"/>
+              </a:spcAft>
+              <a:buClr>
+                <a:schemeClr val="accent1"/>
+              </a:buClr>
+              <a:buSzPct val="80000"/>
+              <a:buFont typeface="Wingdings 3" charset="2"/>
+              <a:buChar char=""/>
+              <a:defRPr sz="1400" kern="1200">
+                <a:solidFill>
+                  <a:schemeClr val="tx1">
+                    <a:lumMod val="75000"/>
+                    <a:lumOff val="25000"/>
+                  </a:schemeClr>
+                </a:solidFill>
+                <a:latin typeface="+mn-lt"/>
+                <a:ea typeface="+mn-ea"/>
+                <a:cs typeface="+mn-cs"/>
+              </a:defRPr>
+            </a:lvl3pPr>
+            <a:lvl4pPr marL="1600200" indent="-228600" algn="l" defTabSz="457200" rtl="0" eaLnBrk="1" latinLnBrk="0" hangingPunct="1">
+              <a:spcBef>
+                <a:spcPts val="1000"/>
+              </a:spcBef>
+              <a:spcAft>
+                <a:spcPts val="0"/>
+              </a:spcAft>
+              <a:buClr>
+                <a:schemeClr val="accent1"/>
+              </a:buClr>
+              <a:buSzPct val="80000"/>
+              <a:buFont typeface="Wingdings 3" charset="2"/>
+              <a:buChar char=""/>
+              <a:defRPr sz="1200" kern="1200">
+                <a:solidFill>
+                  <a:schemeClr val="tx1">
+                    <a:lumMod val="75000"/>
+                    <a:lumOff val="25000"/>
+                  </a:schemeClr>
+                </a:solidFill>
+                <a:latin typeface="+mn-lt"/>
+                <a:ea typeface="+mn-ea"/>
+                <a:cs typeface="+mn-cs"/>
+              </a:defRPr>
+            </a:lvl4pPr>
+            <a:lvl5pPr marL="2057400" indent="-228600" algn="l" defTabSz="457200" rtl="0" eaLnBrk="1" latinLnBrk="0" hangingPunct="1">
+              <a:spcBef>
+                <a:spcPts val="1000"/>
+              </a:spcBef>
+              <a:spcAft>
+                <a:spcPts val="0"/>
+              </a:spcAft>
+              <a:buClr>
+                <a:schemeClr val="accent1"/>
+              </a:buClr>
+              <a:buSzPct val="80000"/>
+              <a:buFont typeface="Wingdings 3" charset="2"/>
+              <a:buChar char=""/>
+              <a:defRPr sz="1200" kern="1200">
+                <a:solidFill>
+                  <a:schemeClr val="tx1">
+                    <a:lumMod val="75000"/>
+                    <a:lumOff val="25000"/>
+                  </a:schemeClr>
+                </a:solidFill>
+                <a:latin typeface="+mn-lt"/>
+                <a:ea typeface="+mn-ea"/>
+                <a:cs typeface="+mn-cs"/>
+              </a:defRPr>
+            </a:lvl5pPr>
+            <a:lvl6pPr marL="2514600" indent="-228600" algn="l" defTabSz="457200" rtl="0" eaLnBrk="1" latinLnBrk="0" hangingPunct="1">
+              <a:spcBef>
+                <a:spcPts val="1000"/>
+              </a:spcBef>
+              <a:spcAft>
+                <a:spcPts val="0"/>
+              </a:spcAft>
+              <a:buClr>
+                <a:schemeClr val="accent1"/>
+              </a:buClr>
+              <a:buSzPct val="80000"/>
+              <a:buFont typeface="Wingdings 3" charset="2"/>
+              <a:buChar char=""/>
+              <a:defRPr sz="1200" kern="1200">
+                <a:solidFill>
+                  <a:schemeClr val="tx1">
+                    <a:lumMod val="75000"/>
+                    <a:lumOff val="25000"/>
+                  </a:schemeClr>
+                </a:solidFill>
+                <a:latin typeface="+mn-lt"/>
+                <a:ea typeface="+mn-ea"/>
+                <a:cs typeface="+mn-cs"/>
+              </a:defRPr>
+            </a:lvl6pPr>
+            <a:lvl7pPr marL="2971800" indent="-228600" algn="l" defTabSz="457200" rtl="0" eaLnBrk="1" latinLnBrk="0" hangingPunct="1">
+              <a:spcBef>
+                <a:spcPts val="1000"/>
+              </a:spcBef>
+              <a:spcAft>
+                <a:spcPts val="0"/>
+              </a:spcAft>
+              <a:buClr>
+                <a:schemeClr val="accent1"/>
+              </a:buClr>
+              <a:buSzPct val="80000"/>
+              <a:buFont typeface="Wingdings 3" charset="2"/>
+              <a:buChar char=""/>
+              <a:defRPr sz="1200" kern="1200">
+                <a:solidFill>
+                  <a:schemeClr val="tx1">
+                    <a:lumMod val="75000"/>
+                    <a:lumOff val="25000"/>
+                  </a:schemeClr>
+                </a:solidFill>
+                <a:latin typeface="+mn-lt"/>
+                <a:ea typeface="+mn-ea"/>
+                <a:cs typeface="+mn-cs"/>
+              </a:defRPr>
+            </a:lvl7pPr>
+            <a:lvl8pPr marL="3429000" indent="-228600" algn="l" defTabSz="457200" rtl="0" eaLnBrk="1" latinLnBrk="0" hangingPunct="1">
+              <a:spcBef>
+                <a:spcPts val="1000"/>
+              </a:spcBef>
+              <a:spcAft>
+                <a:spcPts val="0"/>
+              </a:spcAft>
+              <a:buClr>
+                <a:schemeClr val="accent1"/>
+              </a:buClr>
+              <a:buSzPct val="80000"/>
+              <a:buFont typeface="Wingdings 3" charset="2"/>
+              <a:buChar char=""/>
+              <a:defRPr sz="1200" kern="1200">
+                <a:solidFill>
+                  <a:schemeClr val="tx1">
+                    <a:lumMod val="75000"/>
+                    <a:lumOff val="25000"/>
+                  </a:schemeClr>
+                </a:solidFill>
+                <a:latin typeface="+mn-lt"/>
+                <a:ea typeface="+mn-ea"/>
+                <a:cs typeface="+mn-cs"/>
+              </a:defRPr>
+            </a:lvl8pPr>
+            <a:lvl9pPr marL="3886200" indent="-228600" algn="l" defTabSz="457200" rtl="0" eaLnBrk="1" latinLnBrk="0" hangingPunct="1">
+              <a:spcBef>
+                <a:spcPts val="1000"/>
+              </a:spcBef>
+              <a:spcAft>
+                <a:spcPts val="0"/>
+              </a:spcAft>
+              <a:buClr>
+                <a:schemeClr val="accent1"/>
+              </a:buClr>
+              <a:buSzPct val="80000"/>
+              <a:buFont typeface="Wingdings 3" charset="2"/>
+              <a:buChar char=""/>
+              <a:defRPr sz="1200" kern="1200">
+                <a:solidFill>
+                  <a:schemeClr val="tx1">
+                    <a:lumMod val="75000"/>
+                    <a:lumOff val="25000"/>
+                  </a:schemeClr>
+                </a:solidFill>
+                <a:latin typeface="+mn-lt"/>
+                <a:ea typeface="+mn-ea"/>
+                <a:cs typeface="+mn-cs"/>
+              </a:defRPr>
+            </a:lvl9pPr>
+          </a:lstStyle>
+          <a:p>
+            <a:pPr marL="0" indent="0">
+              <a:buFont typeface="Wingdings 3" charset="2"/>
+              <a:buNone/>
+            </a:pPr>
+            <a:r>
+              <a:rPr lang="en-GB" dirty="0" err="1"/>
+              <a:t>Volonter</a:t>
+            </a:r>
+            <a:endParaRPr lang="sr-Latn-RS" dirty="0"/>
+          </a:p>
+          <a:p>
+            <a:pPr marL="0" indent="0">
+              <a:buFont typeface="Wingdings 3" charset="2"/>
+              <a:buNone/>
+            </a:pPr>
+            <a:r>
+              <a:rPr lang="en-GB" dirty="0"/>
+              <a:t>============</a:t>
+            </a:r>
+          </a:p>
+          <a:p>
+            <a:pPr marL="0" indent="0">
+              <a:buFont typeface="Wingdings 3" charset="2"/>
+              <a:buNone/>
+            </a:pPr>
+            <a:r>
+              <a:rPr lang="en-GB" dirty="0" err="1"/>
+              <a:t>Vodi</a:t>
+            </a:r>
+            <a:r>
+              <a:rPr lang="en-GB" dirty="0"/>
+              <a:t> </a:t>
+            </a:r>
+            <a:r>
+              <a:rPr lang="en-GB" dirty="0" err="1"/>
+              <a:t>evideniju</a:t>
+            </a:r>
+            <a:r>
+              <a:rPr lang="en-GB" dirty="0"/>
+              <a:t> </a:t>
+            </a:r>
+            <a:r>
+              <a:rPr lang="en-GB" dirty="0" err="1"/>
+              <a:t>unutar</a:t>
+            </a:r>
+            <a:r>
+              <a:rPr lang="en-GB" dirty="0"/>
+              <a:t> </a:t>
+            </a:r>
+            <a:r>
+              <a:rPr lang="en-GB" dirty="0" err="1"/>
+              <a:t>kampa</a:t>
+            </a:r>
+            <a:endParaRPr lang="en-GB" dirty="0"/>
+          </a:p>
+          <a:p>
+            <a:pPr marL="0" indent="0">
+              <a:buFont typeface="Wingdings 3" charset="2"/>
+              <a:buNone/>
+            </a:pPr>
+            <a:r>
+              <a:rPr lang="sr-Latn-RS" dirty="0"/>
+              <a:t>Piše izvještaj</a:t>
+            </a:r>
+            <a:endParaRPr lang="en-GB" dirty="0"/>
+          </a:p>
+          <a:p>
+            <a:pPr marL="0" indent="0">
+              <a:buFont typeface="Wingdings 3" charset="2"/>
+              <a:buNone/>
+            </a:pPr>
+            <a:r>
+              <a:rPr lang="en-GB" dirty="0"/>
+              <a:t>============</a:t>
+            </a:r>
           </a:p>
         </p:txBody>
       </p:sp>
@@ -6714,7 +8592,7 @@
           <a:bodyPr/>
           <a:lstStyle/>
           <a:p>
-            <a:endParaRPr lang="en-GB"/>
+            <a:endParaRPr lang="en-GB" dirty="0"/>
           </a:p>
         </p:txBody>
       </p:sp>
@@ -6753,7 +8631,7 @@
           <p:cNvPr id="2" name="Title 1">
             <a:extLst>
               <a:ext uri="{FF2B5EF4-FFF2-40B4-BE49-F238E27FC236}">
-                <a16:creationId xmlns:a16="http://schemas.microsoft.com/office/drawing/2014/main" id="{742437B2-F6E3-C7C8-FF4D-4AD164E105E6}"/>
+                <a16:creationId xmlns:a16="http://schemas.microsoft.com/office/drawing/2014/main" id="{AB273728-2F13-59AA-D678-6F60620105B2}"/>
               </a:ext>
             </a:extLst>
           </p:cNvPr>
@@ -6771,8 +8649,11 @@
           <a:p>
             <a:r>
               <a:rPr lang="sr-Latn-RS" dirty="0"/>
-              <a:t>Dijagram slučajeva upotrebe</a:t>
-            </a:r>
+              <a:t>Eksterni interfejsi</a:t>
+            </a:r>
+            <a:br>
+              <a:rPr lang="sr-Latn-RS" dirty="0"/>
+            </a:br>
             <a:endParaRPr lang="en-GB" dirty="0"/>
           </a:p>
         </p:txBody>
@@ -6782,7 +8663,7 @@
           <p:cNvPr id="3" name="Content Placeholder 2">
             <a:extLst>
               <a:ext uri="{FF2B5EF4-FFF2-40B4-BE49-F238E27FC236}">
-                <a16:creationId xmlns:a16="http://schemas.microsoft.com/office/drawing/2014/main" id="{F44493F1-CE71-FA9B-5989-F354FB9B3841}"/>
+                <a16:creationId xmlns:a16="http://schemas.microsoft.com/office/drawing/2014/main" id="{309C2680-A120-D80B-472B-98AA601E34A5}"/>
               </a:ext>
             </a:extLst>
           </p:cNvPr>
@@ -6805,7 +8686,7 @@
     </p:spTree>
     <p:extLst>
       <p:ext uri="{BB962C8B-B14F-4D97-AF65-F5344CB8AC3E}">
-        <p14:creationId xmlns:p14="http://schemas.microsoft.com/office/powerpoint/2010/main" val="1766699525"/>
+        <p14:creationId xmlns:p14="http://schemas.microsoft.com/office/powerpoint/2010/main" val="2028575528"/>
       </p:ext>
     </p:extLst>
   </p:cSld>
@@ -6837,7 +8718,7 @@
           <p:cNvPr id="2" name="Title 1">
             <a:extLst>
               <a:ext uri="{FF2B5EF4-FFF2-40B4-BE49-F238E27FC236}">
-                <a16:creationId xmlns:a16="http://schemas.microsoft.com/office/drawing/2014/main" id="{AE7DD416-D82B-4FD1-B89A-755C92D5EE5C}"/>
+                <a16:creationId xmlns:a16="http://schemas.microsoft.com/office/drawing/2014/main" id="{6E696244-9A65-C9B2-DBBF-FAAACA2ECDD0}"/>
               </a:ext>
             </a:extLst>
           </p:cNvPr>
@@ -6854,10 +8735,10 @@
           <a:lstStyle/>
           <a:p>
             <a:r>
-              <a:rPr lang="sr-Latn-BA" dirty="0"/>
-              <a:t>Scenario korištenja - administrator</a:t>
-            </a:r>
-            <a:endParaRPr lang="en-US" dirty="0"/>
+              <a:rPr lang="sr-Latn-RS" dirty="0"/>
+              <a:t>Eksterni interfejsi</a:t>
+            </a:r>
+            <a:endParaRPr lang="en-GB" dirty="0"/>
           </a:p>
         </p:txBody>
       </p:sp>
@@ -6866,7 +8747,7 @@
           <p:cNvPr id="3" name="Content Placeholder 2">
             <a:extLst>
               <a:ext uri="{FF2B5EF4-FFF2-40B4-BE49-F238E27FC236}">
-                <a16:creationId xmlns:a16="http://schemas.microsoft.com/office/drawing/2014/main" id="{6D16EED6-24A0-4F39-A96D-5E018D5AF96C}"/>
+                <a16:creationId xmlns:a16="http://schemas.microsoft.com/office/drawing/2014/main" id="{54A4E481-D0B8-7A12-1231-63542C07BB05}"/>
               </a:ext>
             </a:extLst>
           </p:cNvPr>
@@ -6882,14 +8763,20 @@
           <a:bodyPr/>
           <a:lstStyle/>
           <a:p>
-            <a:endParaRPr lang="en-US"/>
+            <a:r>
+              <a:rPr lang="sr-Latn-RS" dirty="0"/>
+              <a:t>3. Korisnički interfejsi</a:t>
+            </a:r>
+          </a:p>
+          <a:p>
+            <a:endParaRPr lang="en-GB" dirty="0"/>
           </a:p>
         </p:txBody>
       </p:sp>
     </p:spTree>
     <p:extLst>
       <p:ext uri="{BB962C8B-B14F-4D97-AF65-F5344CB8AC3E}">
-        <p14:creationId xmlns:p14="http://schemas.microsoft.com/office/powerpoint/2010/main" val="232960618"/>
+        <p14:creationId xmlns:p14="http://schemas.microsoft.com/office/powerpoint/2010/main" val="3673534032"/>
       </p:ext>
     </p:extLst>
   </p:cSld>

--- a/EKamp.pptx
+++ b/EKamp.pptx
@@ -855,7 +855,7 @@
             <a:fld id="{B61BEF0D-F0BB-DE4B-95CE-6DB70DBA9567}" type="datetimeFigureOut">
               <a:rPr lang="en-US" dirty="0"/>
               <a:pPr/>
-              <a:t>6/24/2022</a:t>
+              <a:t>6/27/2022</a:t>
             </a:fld>
             <a:endParaRPr lang="en-US" dirty="0"/>
           </a:p>
@@ -1103,7 +1103,7 @@
             <a:fld id="{B61BEF0D-F0BB-DE4B-95CE-6DB70DBA9567}" type="datetimeFigureOut">
               <a:rPr lang="en-US" dirty="0"/>
               <a:pPr/>
-              <a:t>6/24/2022</a:t>
+              <a:t>6/27/2022</a:t>
             </a:fld>
             <a:endParaRPr lang="en-US" dirty="0"/>
           </a:p>
@@ -1414,7 +1414,7 @@
             <a:fld id="{B61BEF0D-F0BB-DE4B-95CE-6DB70DBA9567}" type="datetimeFigureOut">
               <a:rPr lang="en-US" dirty="0"/>
               <a:pPr/>
-              <a:t>6/24/2022</a:t>
+              <a:t>6/27/2022</a:t>
             </a:fld>
             <a:endParaRPr lang="en-US" dirty="0"/>
           </a:p>
@@ -1738,7 +1738,7 @@
             <a:fld id="{B61BEF0D-F0BB-DE4B-95CE-6DB70DBA9567}" type="datetimeFigureOut">
               <a:rPr lang="en-US" dirty="0"/>
               <a:pPr/>
-              <a:t>6/24/2022</a:t>
+              <a:t>6/27/2022</a:t>
             </a:fld>
             <a:endParaRPr lang="en-US" dirty="0"/>
           </a:p>
@@ -2049,7 +2049,7 @@
             <a:fld id="{B61BEF0D-F0BB-DE4B-95CE-6DB70DBA9567}" type="datetimeFigureOut">
               <a:rPr lang="en-US" dirty="0"/>
               <a:pPr/>
-              <a:t>6/24/2022</a:t>
+              <a:t>6/27/2022</a:t>
             </a:fld>
             <a:endParaRPr lang="en-US" dirty="0"/>
           </a:p>
@@ -2433,7 +2433,7 @@
             <a:fld id="{B61BEF0D-F0BB-DE4B-95CE-6DB70DBA9567}" type="datetimeFigureOut">
               <a:rPr lang="en-US" dirty="0"/>
               <a:pPr/>
-              <a:t>6/24/2022</a:t>
+              <a:t>6/27/2022</a:t>
             </a:fld>
             <a:endParaRPr lang="en-US" dirty="0"/>
           </a:p>
@@ -2599,7 +2599,7 @@
           <a:p>
             <a:fld id="{55C6B4A9-1611-4792-9094-5F34BCA07E0B}" type="datetimeFigureOut">
               <a:rPr lang="en-US" dirty="0"/>
-              <a:t>6/24/2022</a:t>
+              <a:t>6/27/2022</a:t>
             </a:fld>
             <a:endParaRPr lang="en-US" dirty="0"/>
           </a:p>
@@ -2775,7 +2775,7 @@
             <a:fld id="{B61BEF0D-F0BB-DE4B-95CE-6DB70DBA9567}" type="datetimeFigureOut">
               <a:rPr lang="en-US" dirty="0"/>
               <a:pPr/>
-              <a:t>6/24/2022</a:t>
+              <a:t>6/27/2022</a:t>
             </a:fld>
             <a:endParaRPr lang="en-US" dirty="0"/>
           </a:p>
@@ -2948,7 +2948,7 @@
             <a:fld id="{B61BEF0D-F0BB-DE4B-95CE-6DB70DBA9567}" type="datetimeFigureOut">
               <a:rPr lang="en-US" dirty="0"/>
               <a:pPr/>
-              <a:t>6/24/2022</a:t>
+              <a:t>6/27/2022</a:t>
             </a:fld>
             <a:endParaRPr lang="en-US" dirty="0"/>
           </a:p>
@@ -3192,7 +3192,7 @@
             <a:fld id="{B61BEF0D-F0BB-DE4B-95CE-6DB70DBA9567}" type="datetimeFigureOut">
               <a:rPr lang="en-US" dirty="0"/>
               <a:pPr/>
-              <a:t>6/24/2022</a:t>
+              <a:t>6/27/2022</a:t>
             </a:fld>
             <a:endParaRPr lang="en-US" dirty="0"/>
           </a:p>
@@ -3420,7 +3420,7 @@
           <a:p>
             <a:fld id="{EB712588-04B1-427B-82EE-E8DB90309F08}" type="datetimeFigureOut">
               <a:rPr lang="en-US" dirty="0"/>
-              <a:t>6/24/2022</a:t>
+              <a:t>6/27/2022</a:t>
             </a:fld>
             <a:endParaRPr lang="en-US" dirty="0"/>
           </a:p>
@@ -3790,7 +3790,7 @@
             <a:fld id="{B61BEF0D-F0BB-DE4B-95CE-6DB70DBA9567}" type="datetimeFigureOut">
               <a:rPr lang="en-US" dirty="0"/>
               <a:pPr/>
-              <a:t>6/24/2022</a:t>
+              <a:t>6/27/2022</a:t>
             </a:fld>
             <a:endParaRPr lang="en-US" dirty="0"/>
           </a:p>
@@ -3910,7 +3910,7 @@
             <a:fld id="{B61BEF0D-F0BB-DE4B-95CE-6DB70DBA9567}" type="datetimeFigureOut">
               <a:rPr lang="en-US" dirty="0"/>
               <a:pPr/>
-              <a:t>6/24/2022</a:t>
+              <a:t>6/27/2022</a:t>
             </a:fld>
             <a:endParaRPr lang="en-US" dirty="0"/>
           </a:p>
@@ -4002,7 +4002,7 @@
             <a:fld id="{B61BEF0D-F0BB-DE4B-95CE-6DB70DBA9567}" type="datetimeFigureOut">
               <a:rPr lang="en-US" dirty="0"/>
               <a:pPr/>
-              <a:t>6/24/2022</a:t>
+              <a:t>6/27/2022</a:t>
             </a:fld>
             <a:endParaRPr lang="en-US" dirty="0"/>
           </a:p>
@@ -4253,7 +4253,7 @@
           <a:p>
             <a:fld id="{42A54C80-263E-416B-A8E0-580EDEADCBDC}" type="datetimeFigureOut">
               <a:rPr lang="en-US" dirty="0"/>
-              <a:t>6/24/2022</a:t>
+              <a:t>6/27/2022</a:t>
             </a:fld>
             <a:endParaRPr lang="en-US" dirty="0"/>
           </a:p>
@@ -4512,7 +4512,7 @@
             <a:fld id="{B61BEF0D-F0BB-DE4B-95CE-6DB70DBA9567}" type="datetimeFigureOut">
               <a:rPr lang="en-US" dirty="0"/>
               <a:pPr/>
-              <a:t>6/24/2022</a:t>
+              <a:t>6/27/2022</a:t>
             </a:fld>
             <a:endParaRPr lang="en-US" dirty="0"/>
           </a:p>
@@ -5254,7 +5254,7 @@
             <a:fld id="{B61BEF0D-F0BB-DE4B-95CE-6DB70DBA9567}" type="datetimeFigureOut">
               <a:rPr lang="en-US" dirty="0"/>
               <a:pPr/>
-              <a:t>6/24/2022</a:t>
+              <a:t>6/27/2022</a:t>
             </a:fld>
             <a:endParaRPr lang="en-US" dirty="0"/>
           </a:p>
@@ -6812,7 +6812,9 @@
         </p:nvSpPr>
         <p:spPr/>
         <p:txBody>
-          <a:bodyPr/>
+          <a:bodyPr>
+            <a:normAutofit/>
+          </a:bodyPr>
           <a:lstStyle/>
           <a:p>
             <a:r>
@@ -6828,7 +6830,7 @@
                   <a:srgbClr val="9CC65A"/>
                 </a:solidFill>
               </a:rPr>
-              <a:t>za volontera</a:t>
+              <a:t>za administratora</a:t>
             </a:r>
             <a:endParaRPr lang="en-GB" dirty="0"/>
           </a:p>
@@ -6848,8 +6850,8 @@
         </p:nvSpPr>
         <p:spPr>
           <a:xfrm>
-            <a:off x="4425661" y="1499320"/>
-            <a:ext cx="1390650" cy="638175"/>
+            <a:off x="4061304" y="1646130"/>
+            <a:ext cx="1584000" cy="638175"/>
           </a:xfrm>
           <a:prstGeom prst="ellipse">
             <a:avLst/>
@@ -6904,8 +6906,8 @@
         </p:nvSpPr>
         <p:spPr>
           <a:xfrm>
-            <a:off x="4444038" y="2400251"/>
-            <a:ext cx="1390650" cy="638175"/>
+            <a:off x="4051045" y="2513686"/>
+            <a:ext cx="1584000" cy="638175"/>
           </a:xfrm>
           <a:prstGeom prst="ellipse">
             <a:avLst/>
@@ -6960,8 +6962,8 @@
         </p:nvSpPr>
         <p:spPr>
           <a:xfrm>
-            <a:off x="4425661" y="3934488"/>
-            <a:ext cx="1390650" cy="638175"/>
+            <a:off x="4051045" y="4510166"/>
+            <a:ext cx="1584000" cy="638175"/>
           </a:xfrm>
           <a:prstGeom prst="ellipse">
             <a:avLst/>
@@ -7016,8 +7018,8 @@
         </p:nvSpPr>
         <p:spPr>
           <a:xfrm>
-            <a:off x="4434849" y="3202881"/>
-            <a:ext cx="1390650" cy="638174"/>
+            <a:off x="4021477" y="3510106"/>
+            <a:ext cx="1584000" cy="638174"/>
           </a:xfrm>
           <a:prstGeom prst="ellipse">
             <a:avLst/>
@@ -7072,8 +7074,8 @@
         </p:nvSpPr>
         <p:spPr>
           <a:xfrm>
-            <a:off x="4444038" y="4720506"/>
-            <a:ext cx="1390650" cy="817849"/>
+            <a:off x="4078431" y="5420389"/>
+            <a:ext cx="1584000" cy="817849"/>
           </a:xfrm>
           <a:prstGeom prst="ellipse">
             <a:avLst/>
@@ -7116,10 +7118,10 @@
       </p:sp>
       <p:sp>
         <p:nvSpPr>
-          <p:cNvPr id="9" name="Oval 8">
-            <a:extLst>
-              <a:ext uri="{FF2B5EF4-FFF2-40B4-BE49-F238E27FC236}">
-                <a16:creationId xmlns:a16="http://schemas.microsoft.com/office/drawing/2014/main" id="{D2348570-13FC-EDBA-EE45-1200AC94FD4A}"/>
+          <p:cNvPr id="10" name="Oval 9">
+            <a:extLst>
+              <a:ext uri="{FF2B5EF4-FFF2-40B4-BE49-F238E27FC236}">
+                <a16:creationId xmlns:a16="http://schemas.microsoft.com/office/drawing/2014/main" id="{B8CD8BF2-1974-0346-637C-E1885AE3C874}"/>
               </a:ext>
             </a:extLst>
           </p:cNvPr>
@@ -7128,7 +7130,7 @@
         </p:nvSpPr>
         <p:spPr>
           <a:xfrm>
-            <a:off x="4444038" y="5702810"/>
+            <a:off x="7479831" y="2205060"/>
             <a:ext cx="1390650" cy="638175"/>
           </a:xfrm>
           <a:prstGeom prst="ellipse">
@@ -7165,17 +7167,17 @@
             <a:pPr algn="ctr"/>
             <a:r>
               <a:rPr lang="sr-Latn-RS" sz="1200" dirty="0"/>
-              <a:t>Pregled arhive</a:t>
-            </a:r>
-          </a:p>
-        </p:txBody>
-      </p:sp>
-      <p:sp>
-        <p:nvSpPr>
-          <p:cNvPr id="10" name="Oval 9">
-            <a:extLst>
-              <a:ext uri="{FF2B5EF4-FFF2-40B4-BE49-F238E27FC236}">
-                <a16:creationId xmlns:a16="http://schemas.microsoft.com/office/drawing/2014/main" id="{B8CD8BF2-1974-0346-637C-E1885AE3C874}"/>
+              <a:t>Uklanjanje korisničkog naloga</a:t>
+            </a:r>
+          </a:p>
+        </p:txBody>
+      </p:sp>
+      <p:sp>
+        <p:nvSpPr>
+          <p:cNvPr id="11" name="Oval 10">
+            <a:extLst>
+              <a:ext uri="{FF2B5EF4-FFF2-40B4-BE49-F238E27FC236}">
+                <a16:creationId xmlns:a16="http://schemas.microsoft.com/office/drawing/2014/main" id="{D4110E45-26BA-5A26-3D87-47A74EB1331F}"/>
               </a:ext>
             </a:extLst>
           </p:cNvPr>
@@ -7184,8 +7186,8 @@
         </p:nvSpPr>
         <p:spPr>
           <a:xfrm>
-            <a:off x="7478663" y="1901859"/>
-            <a:ext cx="1390650" cy="638175"/>
+            <a:off x="5979712" y="3265783"/>
+            <a:ext cx="1390650" cy="638174"/>
           </a:xfrm>
           <a:prstGeom prst="ellipse">
             <a:avLst/>
@@ -7221,17 +7223,17 @@
             <a:pPr algn="ctr"/>
             <a:r>
               <a:rPr lang="sr-Latn-RS" sz="1200" dirty="0"/>
-              <a:t>Uklanjanje korisničkog naloga</a:t>
-            </a:r>
-          </a:p>
-        </p:txBody>
-      </p:sp>
-      <p:sp>
-        <p:nvSpPr>
-          <p:cNvPr id="11" name="Oval 10">
-            <a:extLst>
-              <a:ext uri="{FF2B5EF4-FFF2-40B4-BE49-F238E27FC236}">
-                <a16:creationId xmlns:a16="http://schemas.microsoft.com/office/drawing/2014/main" id="{D4110E45-26BA-5A26-3D87-47A74EB1331F}"/>
+              <a:t>Pregled informacija o korisniku</a:t>
+            </a:r>
+          </a:p>
+        </p:txBody>
+      </p:sp>
+      <p:sp>
+        <p:nvSpPr>
+          <p:cNvPr id="12" name="Oval 11">
+            <a:extLst>
+              <a:ext uri="{FF2B5EF4-FFF2-40B4-BE49-F238E27FC236}">
+                <a16:creationId xmlns:a16="http://schemas.microsoft.com/office/drawing/2014/main" id="{E7874D34-0874-DAAE-2BDC-F66D36632A34}"/>
               </a:ext>
             </a:extLst>
           </p:cNvPr>
@@ -7240,7 +7242,7 @@
         </p:nvSpPr>
         <p:spPr>
           <a:xfrm>
-            <a:off x="6238702" y="2896665"/>
+            <a:off x="7957701" y="3657603"/>
             <a:ext cx="1390650" cy="638174"/>
           </a:xfrm>
           <a:prstGeom prst="ellipse">
@@ -7277,62 +7279,6 @@
             <a:pPr algn="ctr"/>
             <a:r>
               <a:rPr lang="sr-Latn-RS" sz="1200" dirty="0"/>
-              <a:t>Pregled informacija o korisniku</a:t>
-            </a:r>
-          </a:p>
-        </p:txBody>
-      </p:sp>
-      <p:sp>
-        <p:nvSpPr>
-          <p:cNvPr id="12" name="Oval 11">
-            <a:extLst>
-              <a:ext uri="{FF2B5EF4-FFF2-40B4-BE49-F238E27FC236}">
-                <a16:creationId xmlns:a16="http://schemas.microsoft.com/office/drawing/2014/main" id="{E7874D34-0874-DAAE-2BDC-F66D36632A34}"/>
-              </a:ext>
-            </a:extLst>
-          </p:cNvPr>
-          <p:cNvSpPr/>
-          <p:nvPr/>
-        </p:nvSpPr>
-        <p:spPr>
-          <a:xfrm>
-            <a:off x="7957701" y="3657603"/>
-            <a:ext cx="1390650" cy="638174"/>
-          </a:xfrm>
-          <a:prstGeom prst="ellipse">
-            <a:avLst/>
-          </a:prstGeom>
-          <a:effectLst>
-            <a:outerShdw blurRad="50800" dist="38100" dir="2700000" algn="tl" rotWithShape="0">
-              <a:prstClr val="black">
-                <a:alpha val="40000"/>
-              </a:prstClr>
-            </a:outerShdw>
-          </a:effectLst>
-        </p:spPr>
-        <p:style>
-          <a:lnRef idx="2">
-            <a:schemeClr val="accent1">
-              <a:shade val="50000"/>
-            </a:schemeClr>
-          </a:lnRef>
-          <a:fillRef idx="1">
-            <a:schemeClr val="accent1"/>
-          </a:fillRef>
-          <a:effectRef idx="0">
-            <a:schemeClr val="accent1"/>
-          </a:effectRef>
-          <a:fontRef idx="minor">
-            <a:schemeClr val="lt1"/>
-          </a:fontRef>
-        </p:style>
-        <p:txBody>
-          <a:bodyPr rtlCol="0" anchor="ctr"/>
-          <a:lstStyle/>
-          <a:p>
-            <a:pPr algn="ctr"/>
-            <a:r>
-              <a:rPr lang="sr-Latn-RS" sz="1200" dirty="0"/>
               <a:t>Ažuriranje korisničkog naloga</a:t>
             </a:r>
           </a:p>
@@ -7557,12 +7503,12 @@
         </p:nvCxnSpPr>
         <p:spPr>
           <a:xfrm flipV="1">
-            <a:off x="1450975" y="1818408"/>
-            <a:ext cx="2974686" cy="1517625"/>
+            <a:off x="1473112" y="1965218"/>
+            <a:ext cx="2588192" cy="1319990"/>
           </a:xfrm>
           <a:prstGeom prst="bentConnector3">
             <a:avLst>
-              <a:gd name="adj1" fmla="val 49"/>
+              <a:gd name="adj1" fmla="val 619"/>
             </a:avLst>
           </a:prstGeom>
           <a:ln w="6350"/>
@@ -7597,12 +7543,14 @@
           <p:nvPr/>
         </p:nvCxnSpPr>
         <p:spPr>
-          <a:xfrm rot="5400000" flipH="1" flipV="1">
-            <a:off x="2727139" y="1628925"/>
-            <a:ext cx="616886" cy="2798534"/>
-          </a:xfrm>
-          <a:prstGeom prst="bentConnector2">
-            <a:avLst/>
+          <a:xfrm flipV="1">
+            <a:off x="1745455" y="2719749"/>
+            <a:ext cx="2689394" cy="565459"/>
+          </a:xfrm>
+          <a:prstGeom prst="bentConnector3">
+            <a:avLst>
+              <a:gd name="adj1" fmla="val -228"/>
+            </a:avLst>
           </a:prstGeom>
           <a:ln w="6350"/>
         </p:spPr>
@@ -7638,12 +7586,12 @@
         </p:nvCxnSpPr>
         <p:spPr>
           <a:xfrm flipV="1">
-            <a:off x="1846657" y="3521968"/>
-            <a:ext cx="2588192" cy="23192"/>
+            <a:off x="1922318" y="3829193"/>
+            <a:ext cx="2099159" cy="12824"/>
           </a:xfrm>
           <a:prstGeom prst="bentConnector3">
             <a:avLst>
-              <a:gd name="adj1" fmla="val 107779"/>
+              <a:gd name="adj1" fmla="val 109895"/>
             </a:avLst>
           </a:prstGeom>
           <a:ln w="6350"/>
@@ -7680,12 +7628,12 @@
         </p:nvCxnSpPr>
         <p:spPr>
           <a:xfrm>
-            <a:off x="1821655" y="4139763"/>
-            <a:ext cx="2604006" cy="113813"/>
+            <a:off x="1839191" y="4248358"/>
+            <a:ext cx="2211854" cy="580896"/>
           </a:xfrm>
           <a:prstGeom prst="bentConnector3">
             <a:avLst>
-              <a:gd name="adj1" fmla="val 10"/>
+              <a:gd name="adj1" fmla="val 203"/>
             </a:avLst>
           </a:prstGeom>
           <a:ln w="6350"/>
@@ -7721,53 +7669,13 @@
           <p:nvPr/>
         </p:nvCxnSpPr>
         <p:spPr>
-          <a:xfrm rot="16200000" flipH="1">
-            <a:off x="2545643" y="3231036"/>
-            <a:ext cx="989066" cy="2807723"/>
-          </a:xfrm>
-          <a:prstGeom prst="bentConnector2">
-            <a:avLst/>
-          </a:prstGeom>
-          <a:ln w="6350"/>
-        </p:spPr>
-        <p:style>
-          <a:lnRef idx="1">
-            <a:schemeClr val="accent1"/>
-          </a:lnRef>
-          <a:fillRef idx="0">
-            <a:schemeClr val="accent1"/>
-          </a:fillRef>
-          <a:effectRef idx="0">
-            <a:schemeClr val="accent1"/>
-          </a:effectRef>
-          <a:fontRef idx="minor">
-            <a:schemeClr val="tx1"/>
-          </a:fontRef>
-        </p:style>
-      </p:cxnSp>
-      <p:cxnSp>
-        <p:nvCxnSpPr>
-          <p:cNvPr id="23" name="Connector: Elbow 22">
-            <a:extLst>
-              <a:ext uri="{FF2B5EF4-FFF2-40B4-BE49-F238E27FC236}">
-                <a16:creationId xmlns:a16="http://schemas.microsoft.com/office/drawing/2014/main" id="{F1313321-7B92-778C-AF0F-59199E99B494}"/>
-              </a:ext>
-            </a:extLst>
-          </p:cNvPr>
-          <p:cNvCxnSpPr>
-            <a:cxnSpLocks/>
-            <a:endCxn id="9" idx="2"/>
-          </p:cNvCxnSpPr>
-          <p:nvPr/>
-        </p:nvCxnSpPr>
-        <p:spPr>
           <a:xfrm>
-            <a:off x="1450975" y="4140365"/>
-            <a:ext cx="2993063" cy="1881533"/>
+            <a:off x="1540668" y="4248358"/>
+            <a:ext cx="2537763" cy="1580956"/>
           </a:xfrm>
           <a:prstGeom prst="bentConnector3">
             <a:avLst>
-              <a:gd name="adj1" fmla="val -69"/>
+              <a:gd name="adj1" fmla="val 47"/>
             </a:avLst>
           </a:prstGeom>
           <a:ln w="6350"/>
@@ -7804,8 +7712,8 @@
         </p:nvCxnSpPr>
         <p:spPr>
           <a:xfrm flipH="1">
-            <a:off x="6934027" y="2220947"/>
-            <a:ext cx="544636" cy="675718"/>
+            <a:off x="6675037" y="2524148"/>
+            <a:ext cx="804794" cy="741635"/>
           </a:xfrm>
           <a:prstGeom prst="straightConnector1">
             <a:avLst/>
@@ -7852,8 +7760,8 @@
         </p:nvCxnSpPr>
         <p:spPr>
           <a:xfrm flipH="1">
-            <a:off x="5825499" y="3215752"/>
-            <a:ext cx="413203" cy="306216"/>
+            <a:off x="5605477" y="3584870"/>
+            <a:ext cx="374235" cy="244323"/>
           </a:xfrm>
           <a:prstGeom prst="straightConnector1">
             <a:avLst/>
@@ -7901,8 +7809,8 @@
         </p:nvCxnSpPr>
         <p:spPr>
           <a:xfrm flipH="1" flipV="1">
-            <a:off x="7425696" y="3441381"/>
-            <a:ext cx="532005" cy="535309"/>
+            <a:off x="7166706" y="3810499"/>
+            <a:ext cx="790995" cy="166191"/>
           </a:xfrm>
           <a:prstGeom prst="straightConnector1">
             <a:avLst/>
@@ -7947,9 +7855,9 @@
           <p:nvPr/>
         </p:nvCxnSpPr>
         <p:spPr>
-          <a:xfrm flipH="1">
-            <a:off x="5825499" y="3455194"/>
-            <a:ext cx="87145" cy="66774"/>
+          <a:xfrm>
+            <a:off x="5499272" y="3762419"/>
+            <a:ext cx="106205" cy="66774"/>
           </a:xfrm>
           <a:prstGeom prst="straightConnector1">
             <a:avLst/>
@@ -7989,7 +7897,7 @@
         </p:nvCxnSpPr>
         <p:spPr>
           <a:xfrm flipH="1">
-            <a:off x="6934027" y="2847975"/>
+            <a:off x="6689793" y="3212595"/>
             <a:ext cx="38273" cy="48690"/>
           </a:xfrm>
           <a:prstGeom prst="straightConnector1">
@@ -8030,8 +7938,8 @@
         </p:nvCxnSpPr>
         <p:spPr>
           <a:xfrm flipH="1" flipV="1">
-            <a:off x="7413567" y="3421495"/>
-            <a:ext cx="35974" cy="54213"/>
+            <a:off x="7163098" y="3795806"/>
+            <a:ext cx="122958" cy="34715"/>
           </a:xfrm>
           <a:prstGeom prst="straightConnector1">
             <a:avLst/>
@@ -8068,8 +7976,8 @@
           <p:nvPr/>
         </p:nvSpPr>
         <p:spPr>
-          <a:xfrm rot="2700000">
-            <a:off x="7459186" y="3598604"/>
+          <a:xfrm rot="704753">
+            <a:off x="7319669" y="3749684"/>
             <a:ext cx="668682" cy="184666"/>
           </a:xfrm>
           <a:prstGeom prst="rect">
@@ -8107,8 +8015,8 @@
           <p:nvPr/>
         </p:nvSpPr>
         <p:spPr>
-          <a:xfrm rot="18546862">
-            <a:off x="6796660" y="2368843"/>
+          <a:xfrm rot="19076495">
+            <a:off x="6665541" y="2749476"/>
             <a:ext cx="668682" cy="184666"/>
           </a:xfrm>
           <a:prstGeom prst="rect">
@@ -8147,7 +8055,7 @@
         </p:nvSpPr>
         <p:spPr>
           <a:xfrm rot="19543617">
-            <a:off x="5710410" y="3173450"/>
+            <a:off x="5458254" y="3493538"/>
             <a:ext cx="668682" cy="184666"/>
           </a:xfrm>
           <a:prstGeom prst="rect">
@@ -8186,8 +8094,8 @@
         </p:nvSpPr>
         <p:spPr>
           <a:xfrm>
-            <a:off x="3763929" y="1399869"/>
-            <a:ext cx="5695412" cy="5082377"/>
+            <a:off x="3647210" y="1399869"/>
+            <a:ext cx="5812131" cy="5082377"/>
           </a:xfrm>
           <a:prstGeom prst="rect">
             <a:avLst/>
@@ -8246,6 +8154,47 @@
           </a:p>
         </p:txBody>
       </p:sp>
+      <p:cxnSp>
+        <p:nvCxnSpPr>
+          <p:cNvPr id="61" name="Straight Arrow Connector 60">
+            <a:extLst>
+              <a:ext uri="{FF2B5EF4-FFF2-40B4-BE49-F238E27FC236}">
+                <a16:creationId xmlns:a16="http://schemas.microsoft.com/office/drawing/2014/main" id="{BF139360-A0D7-91FD-855A-A2D13F36ED67}"/>
+              </a:ext>
+            </a:extLst>
+          </p:cNvPr>
+          <p:cNvCxnSpPr>
+            <a:cxnSpLocks/>
+          </p:cNvCxnSpPr>
+          <p:nvPr/>
+        </p:nvCxnSpPr>
+        <p:spPr>
+          <a:xfrm flipH="1">
+            <a:off x="5596772" y="3801762"/>
+            <a:ext cx="38273" cy="48690"/>
+          </a:xfrm>
+          <a:prstGeom prst="straightConnector1">
+            <a:avLst/>
+          </a:prstGeom>
+          <a:ln>
+            <a:tailEnd type="triangle"/>
+          </a:ln>
+        </p:spPr>
+        <p:style>
+          <a:lnRef idx="1">
+            <a:schemeClr val="accent1"/>
+          </a:lnRef>
+          <a:fillRef idx="0">
+            <a:schemeClr val="accent1"/>
+          </a:fillRef>
+          <a:effectRef idx="0">
+            <a:schemeClr val="accent1"/>
+          </a:effectRef>
+          <a:fontRef idx="minor">
+            <a:schemeClr val="tx1"/>
+          </a:fontRef>
+        </p:style>
+      </p:cxnSp>
     </p:spTree>
     <p:extLst>
       <p:ext uri="{BB962C8B-B14F-4D97-AF65-F5344CB8AC3E}">
@@ -8804,10 +8753,6 @@
               <a:rPr lang="pl-PL" sz="1200" dirty="0"/>
               <a:t>Pregled  detalja o odabranoj osobi</a:t>
             </a:r>
-            <a:endParaRPr lang="sr-Latn-RS" sz="1200" dirty="0"/>
-          </a:p>
-          <a:p>
-            <a:pPr algn="ctr"/>
             <a:endParaRPr lang="sr-Latn-RS" sz="1200" dirty="0"/>
           </a:p>
         </p:txBody>
@@ -11810,7 +11755,13 @@
                 <a:gd name="adj" fmla="val 87500"/>
               </a:avLst>
             </a:prstGeom>
-            <a:effectLst/>
+            <a:effectLst>
+              <a:innerShdw blurRad="63500" dist="50800" dir="18900000">
+                <a:prstClr val="black">
+                  <a:alpha val="50000"/>
+                </a:prstClr>
+              </a:innerShdw>
+            </a:effectLst>
           </p:spPr>
           <p:style>
             <a:lnRef idx="2">
@@ -11961,6 +11912,13 @@
             <a:prstGeom prst="ellipse">
               <a:avLst/>
             </a:prstGeom>
+            <a:effectLst>
+              <a:innerShdw blurRad="63500" dist="50800" dir="2700000">
+                <a:prstClr val="black">
+                  <a:alpha val="50000"/>
+                </a:prstClr>
+              </a:innerShdw>
+            </a:effectLst>
           </p:spPr>
           <p:style>
             <a:lnRef idx="2">
@@ -12381,7 +12339,7 @@
         </p:nvGrpSpPr>
         <p:grpSpPr>
           <a:xfrm>
-            <a:off x="1066800" y="3807759"/>
+            <a:off x="1102520" y="3807759"/>
             <a:ext cx="8978900" cy="2224741"/>
             <a:chOff x="984987" y="3657975"/>
             <a:chExt cx="8289015" cy="2010708"/>
@@ -13828,7 +13786,7 @@
             <a:p>
               <a:r>
                 <a:rPr lang="sr-Latn-RS" sz="300" dirty="0"/>
-                <a:t>Krvnagrupa</a:t>
+                <a:t>Krvna grupa</a:t>
               </a:r>
               <a:endParaRPr lang="en-GB" sz="300" dirty="0"/>
             </a:p>
@@ -13884,7 +13842,7 @@
             <a:p>
               <a:r>
                 <a:rPr lang="sr-Latn-RS" sz="300" dirty="0"/>
-                <a:t>Ime</a:t>
+                <a:t>Datum rodjenja</a:t>
               </a:r>
               <a:endParaRPr lang="en-GB" sz="300" dirty="0"/>
             </a:p>
@@ -14248,7 +14206,7 @@
                     </a:schemeClr>
                   </a:solidFill>
                 </a:rPr>
-                <a:t>Krvnagrupa</a:t>
+                <a:t>Krvna grupa</a:t>
               </a:r>
               <a:endParaRPr lang="en-GB" sz="300" dirty="0">
                 <a:solidFill>
@@ -14317,18 +14275,14 @@
               <a:r>
                 <a:rPr lang="sr-Latn-RS" sz="300" dirty="0">
                   <a:solidFill>
-                    <a:schemeClr val="bg1">
-                      <a:alpha val="16000"/>
-                    </a:schemeClr>
+                    <a:srgbClr val="B3C788"/>
                   </a:solidFill>
                 </a:rPr>
-                <a:t>Ime</a:t>
+                <a:t>Datum rodjenja</a:t>
               </a:r>
               <a:endParaRPr lang="en-GB" sz="300" dirty="0">
                 <a:solidFill>
-                  <a:schemeClr val="bg1">
-                    <a:alpha val="16000"/>
-                  </a:schemeClr>
+                  <a:srgbClr val="B3C788"/>
                 </a:solidFill>
               </a:endParaRPr>
             </a:p>
@@ -15207,7 +15161,7 @@
                 <a:ea typeface="Batang" pitchFamily="18" charset="-127"/>
                 <a:cs typeface="Aharoni" pitchFamily="2" charset="-79"/>
               </a:rPr>
-              <a:t>Funkcionalnosti koje eKamp sistem treba da omogući su:</a:t>
+              <a:t>Funkcionalnosti koje EKamp sistem treba da omogući su:</a:t>
             </a:r>
             <a:r>
               <a:rPr lang="en-US" sz="1800" dirty="0">
@@ -15246,10 +15200,10 @@
                 <a:ea typeface="Batang" pitchFamily="18" charset="-127"/>
                 <a:cs typeface="Aharoni" pitchFamily="2" charset="-79"/>
               </a:rPr>
-              <a:t>Digitalizacija evidencije o </a:t>
+              <a:t>Digitalizacija evidencije </a:t>
             </a:r>
             <a:br>
-              <a:rPr lang="en-US" dirty="0">
+              <a:rPr lang="sr-Latn-BA" dirty="0">
                 <a:solidFill>
                   <a:srgbClr val="9CC65A"/>
                 </a:solidFill>
@@ -15257,7 +15211,7 @@
                 <a:cs typeface="Aharoni" pitchFamily="2" charset="-79"/>
               </a:rPr>
             </a:br>
-            <a:endParaRPr lang="sr-Latn-RS" dirty="0">
+            <a:endParaRPr lang="sr-Latn-BA" dirty="0">
               <a:solidFill>
                 <a:srgbClr val="9CC65A"/>
               </a:solidFill>
@@ -15266,17 +15220,7 @@
             </a:endParaRPr>
           </a:p>
           <a:p>
-            <a:pPr lvl="1" hangingPunct="0"/>
-            <a:r>
-              <a:rPr lang="en-US" dirty="0">
-                <a:solidFill>
-                  <a:srgbClr val="9CC65A"/>
-                </a:solidFill>
-                <a:ea typeface="Batang" pitchFamily="18" charset="-127"/>
-                <a:cs typeface="Aharoni" pitchFamily="2" charset="-79"/>
-              </a:rPr>
-              <a:t>Vo</a:t>
-            </a:r>
+            <a:pPr marL="571500" lvl="1" indent="-171450" hangingPunct="0"/>
             <a:r>
               <a:rPr lang="sr-Latn-RS" dirty="0">
                 <a:solidFill>
@@ -15285,28 +15229,27 @@
                 <a:ea typeface="Batang" pitchFamily="18" charset="-127"/>
                 <a:cs typeface="Aharoni" pitchFamily="2" charset="-79"/>
               </a:rPr>
-              <a:t>đ</a:t>
-            </a:r>
-            <a:r>
-              <a:rPr lang="en-US" dirty="0" err="1">
+              <a:t>Interna komunikacija</a:t>
+            </a:r>
+            <a:br>
+              <a:rPr lang="sr-Latn-BA" dirty="0">
                 <a:solidFill>
                   <a:srgbClr val="9CC65A"/>
                 </a:solidFill>
                 <a:ea typeface="Batang" pitchFamily="18" charset="-127"/>
                 <a:cs typeface="Aharoni" pitchFamily="2" charset="-79"/>
               </a:rPr>
-              <a:t>enje</a:t>
-            </a:r>
-            <a:r>
-              <a:rPr lang="en-US" dirty="0">
-                <a:solidFill>
-                  <a:srgbClr val="9CC65A"/>
-                </a:solidFill>
-                <a:ea typeface="Batang" pitchFamily="18" charset="-127"/>
-                <a:cs typeface="Aharoni" pitchFamily="2" charset="-79"/>
-              </a:rPr>
-              <a:t> </a:t>
-            </a:r>
+            </a:br>
+            <a:endParaRPr lang="sr-Latn-BA" dirty="0">
+              <a:solidFill>
+                <a:srgbClr val="9CC65A"/>
+              </a:solidFill>
+              <a:ea typeface="Batang" pitchFamily="18" charset="-127"/>
+              <a:cs typeface="Aharoni" pitchFamily="2" charset="-79"/>
+            </a:endParaRPr>
+          </a:p>
+          <a:p>
+            <a:pPr marL="571500" lvl="1" indent="-171450" hangingPunct="0"/>
             <a:r>
               <a:rPr lang="sr-Latn-RS" dirty="0">
                 <a:solidFill>
@@ -15315,169 +15258,7 @@
                 <a:ea typeface="Batang" pitchFamily="18" charset="-127"/>
                 <a:cs typeface="Aharoni" pitchFamily="2" charset="-79"/>
               </a:rPr>
-              <a:t>evidencije o intervencijama</a:t>
-            </a:r>
-          </a:p>
-          <a:p>
-            <a:pPr lvl="1" hangingPunct="0"/>
-            <a:endParaRPr lang="en-US" dirty="0">
-              <a:solidFill>
-                <a:srgbClr val="9CC65A"/>
-              </a:solidFill>
-              <a:ea typeface="Batang" pitchFamily="18" charset="-127"/>
-              <a:cs typeface="Aharoni" pitchFamily="2" charset="-79"/>
-            </a:endParaRPr>
-          </a:p>
-          <a:p>
-            <a:pPr lvl="1" hangingPunct="0"/>
-            <a:r>
-              <a:rPr lang="sr-Latn-RS" dirty="0">
-                <a:solidFill>
-                  <a:srgbClr val="9CC65A"/>
-                </a:solidFill>
-                <a:ea typeface="Batang" pitchFamily="18" charset="-127"/>
-                <a:cs typeface="Aharoni" pitchFamily="2" charset="-79"/>
-              </a:rPr>
-              <a:t>I</a:t>
-            </a:r>
-            <a:r>
-              <a:rPr lang="en-US" dirty="0" err="1">
-                <a:solidFill>
-                  <a:srgbClr val="9CC65A"/>
-                </a:solidFill>
-                <a:ea typeface="Batang" pitchFamily="18" charset="-127"/>
-                <a:cs typeface="Aharoni" pitchFamily="2" charset="-79"/>
-              </a:rPr>
-              <a:t>ntern</a:t>
-            </a:r>
-            <a:r>
-              <a:rPr lang="sr-Latn-BA" dirty="0">
-                <a:solidFill>
-                  <a:srgbClr val="9CC65A"/>
-                </a:solidFill>
-                <a:ea typeface="Batang" pitchFamily="18" charset="-127"/>
-                <a:cs typeface="Aharoni" pitchFamily="2" charset="-79"/>
-              </a:rPr>
-              <a:t>u</a:t>
-            </a:r>
-            <a:r>
-              <a:rPr lang="en-US" dirty="0">
-                <a:solidFill>
-                  <a:srgbClr val="9CC65A"/>
-                </a:solidFill>
-                <a:ea typeface="Batang" pitchFamily="18" charset="-127"/>
-                <a:cs typeface="Aharoni" pitchFamily="2" charset="-79"/>
-              </a:rPr>
-              <a:t> </a:t>
-            </a:r>
-            <a:r>
-              <a:rPr lang="en-US" dirty="0" err="1">
-                <a:solidFill>
-                  <a:srgbClr val="9CC65A"/>
-                </a:solidFill>
-                <a:ea typeface="Batang" pitchFamily="18" charset="-127"/>
-                <a:cs typeface="Aharoni" pitchFamily="2" charset="-79"/>
-              </a:rPr>
-              <a:t>komunikacij</a:t>
-            </a:r>
-            <a:r>
-              <a:rPr lang="sr-Latn-BA" dirty="0">
-                <a:solidFill>
-                  <a:srgbClr val="9CC65A"/>
-                </a:solidFill>
-                <a:ea typeface="Batang" pitchFamily="18" charset="-127"/>
-                <a:cs typeface="Aharoni" pitchFamily="2" charset="-79"/>
-              </a:rPr>
-              <a:t>u</a:t>
-            </a:r>
-            <a:br>
-              <a:rPr lang="en-US" dirty="0">
-                <a:solidFill>
-                  <a:srgbClr val="9CC65A"/>
-                </a:solidFill>
-                <a:ea typeface="Batang" pitchFamily="18" charset="-127"/>
-                <a:cs typeface="Aharoni" pitchFamily="2" charset="-79"/>
-              </a:rPr>
-            </a:br>
-            <a:endParaRPr lang="en-US" dirty="0">
-              <a:solidFill>
-                <a:srgbClr val="9CC65A"/>
-              </a:solidFill>
-              <a:ea typeface="Batang" pitchFamily="18" charset="-127"/>
-              <a:cs typeface="Aharoni" pitchFamily="2" charset="-79"/>
-            </a:endParaRPr>
-          </a:p>
-          <a:p>
-            <a:pPr lvl="1" hangingPunct="0"/>
-            <a:r>
-              <a:rPr lang="en-US" dirty="0" err="1">
-                <a:solidFill>
-                  <a:srgbClr val="9CC65A"/>
-                </a:solidFill>
-                <a:ea typeface="Batang" pitchFamily="18" charset="-127"/>
-                <a:cs typeface="Aharoni" pitchFamily="2" charset="-79"/>
-              </a:rPr>
-              <a:t>Evaluacij</a:t>
-            </a:r>
-            <a:r>
-              <a:rPr lang="sr-Latn-BA" dirty="0">
-                <a:solidFill>
-                  <a:srgbClr val="9CC65A"/>
-                </a:solidFill>
-                <a:ea typeface="Batang" pitchFamily="18" charset="-127"/>
-                <a:cs typeface="Aharoni" pitchFamily="2" charset="-79"/>
-              </a:rPr>
-              <a:t>u</a:t>
-            </a:r>
-            <a:r>
-              <a:rPr lang="en-US" dirty="0">
-                <a:solidFill>
-                  <a:srgbClr val="9CC65A"/>
-                </a:solidFill>
-                <a:ea typeface="Batang" pitchFamily="18" charset="-127"/>
-                <a:cs typeface="Aharoni" pitchFamily="2" charset="-79"/>
-              </a:rPr>
-              <a:t> </a:t>
-            </a:r>
-            <a:r>
-              <a:rPr lang="en-US" dirty="0" err="1">
-                <a:solidFill>
-                  <a:srgbClr val="9CC65A"/>
-                </a:solidFill>
-                <a:ea typeface="Batang" pitchFamily="18" charset="-127"/>
-                <a:cs typeface="Aharoni" pitchFamily="2" charset="-79"/>
-              </a:rPr>
-              <a:t>problema</a:t>
-            </a:r>
-            <a:endParaRPr lang="sr-Latn-RS" dirty="0">
-              <a:solidFill>
-                <a:srgbClr val="9CC65A"/>
-              </a:solidFill>
-              <a:ea typeface="Batang" pitchFamily="18" charset="-127"/>
-              <a:cs typeface="Aharoni" pitchFamily="2" charset="-79"/>
-            </a:endParaRPr>
-          </a:p>
-          <a:p>
-            <a:pPr lvl="1" hangingPunct="0"/>
-            <a:endParaRPr lang="sr-Latn-RS" dirty="0">
-              <a:solidFill>
-                <a:srgbClr val="9CC65A"/>
-              </a:solidFill>
-              <a:ea typeface="Batang" pitchFamily="18" charset="-127"/>
-              <a:cs typeface="Aharoni" pitchFamily="2" charset="-79"/>
-            </a:endParaRPr>
-          </a:p>
-          <a:p>
-            <a:pPr lvl="1" hangingPunct="0"/>
-            <a:r>
-              <a:rPr lang="sr-Latn-RS" dirty="0">
-                <a:solidFill>
-                  <a:srgbClr val="9CC65A"/>
-                </a:solidFill>
-                <a:ea typeface="Batang" pitchFamily="18" charset="-127"/>
-                <a:cs typeface="Aharoni" pitchFamily="2" charset="-79"/>
-              </a:rPr>
-              <a:t>Skladištenje izvještaja i čuvanje podataka</a:t>
+              <a:t>Trajno čuvanje podataka i izvještaja</a:t>
             </a:r>
             <a:endParaRPr lang="en-US" dirty="0">
               <a:solidFill>
@@ -15576,7 +15357,27 @@
           <a:bodyPr/>
           <a:lstStyle/>
           <a:p>
-            <a:endParaRPr lang="en-GB"/>
+            <a:r>
+              <a:rPr lang="en-GB" dirty="0">
+                <a:solidFill>
+                  <a:srgbClr val="90C226"/>
+                </a:solidFill>
+              </a:rPr>
+              <a:t>M</a:t>
+            </a:r>
+            <a:r>
+              <a:rPr lang="sr-Latn-RS" dirty="0">
+                <a:solidFill>
+                  <a:srgbClr val="90C226"/>
+                </a:solidFill>
+              </a:rPr>
+              <a:t>ogućnost korištenja aplikacije na Android operativnim sistemima</a:t>
+            </a:r>
+            <a:endParaRPr lang="en-GB" dirty="0">
+              <a:solidFill>
+                <a:srgbClr val="90C226"/>
+              </a:solidFill>
+            </a:endParaRPr>
           </a:p>
         </p:txBody>
       </p:sp>
@@ -15633,7 +15434,7 @@
           <a:p>
             <a:r>
               <a:rPr lang="sr-Latn-RS" dirty="0"/>
-              <a:t>Članovi tima eKamp</a:t>
+              <a:t>Članovi tima EKamp</a:t>
             </a:r>
             <a:endParaRPr lang="en-GB" dirty="0"/>
           </a:p>
@@ -16074,7 +15875,7 @@
                   <a:srgbClr val="9CC65A"/>
                 </a:solidFill>
               </a:rPr>
-              <a:t>Godine 2014. poplave koje su zadesile Republiku Srpsku primorale su ???? ljudi na napustanje svojih domova</a:t>
+              <a:t>Godine 2014. poplave koje su zadesile Republiku Srpsku primorale su hiljade ljudi na napuštanje svojih domova</a:t>
             </a:r>
             <a:br>
               <a:rPr lang="sr-Latn-RS" dirty="0">
@@ -16210,14 +16011,14 @@
             <a:r>
               <a:rPr lang="sr-Latn-RS" dirty="0">
                 <a:solidFill>
-                  <a:schemeClr val="accent2"/>
+                  <a:srgbClr val="90C226"/>
                 </a:solidFill>
               </a:rPr>
               <a:t>Ciljevi sistema</a:t>
             </a:r>
             <a:endParaRPr lang="en-GB" dirty="0">
               <a:solidFill>
-                <a:schemeClr val="accent2"/>
+                <a:srgbClr val="90C226"/>
               </a:solidFill>
             </a:endParaRPr>
           </a:p>
@@ -17424,6 +17225,11 @@
             </a:avLst>
           </a:prstGeom>
           <a:effectLst>
+            <a:innerShdw blurRad="63500" dist="50800" dir="18900000">
+              <a:prstClr val="black">
+                <a:alpha val="50000"/>
+              </a:prstClr>
+            </a:innerShdw>
             <a:reflection blurRad="6350" stA="50000" endA="300" endPos="38500" dist="50800" dir="5400000" sy="-100000" algn="bl" rotWithShape="0"/>
           </a:effectLst>
         </p:spPr>
@@ -17479,6 +17285,11 @@
             </a:avLst>
           </a:prstGeom>
           <a:effectLst>
+            <a:innerShdw blurRad="63500" dist="50800" dir="2700000">
+              <a:prstClr val="black">
+                <a:alpha val="50000"/>
+              </a:prstClr>
+            </a:innerShdw>
             <a:reflection blurRad="6350" stA="50000" endA="300" endPos="38500" dist="50800" dir="5400000" sy="-100000" algn="bl" rotWithShape="0"/>
           </a:effectLst>
         </p:spPr>
@@ -17521,7 +17332,7 @@
         </p:nvSpPr>
         <p:spPr>
           <a:xfrm>
-            <a:off x="6729413" y="2972137"/>
+            <a:off x="6729413" y="2981662"/>
             <a:ext cx="519112" cy="347219"/>
           </a:xfrm>
           <a:prstGeom prst="rect">
@@ -18495,6 +18306,13 @@
           <a:prstGeom prst="ellipse">
             <a:avLst/>
           </a:prstGeom>
+          <a:effectLst>
+            <a:innerShdw blurRad="63500" dist="50800" dir="2700000">
+              <a:prstClr val="black">
+                <a:alpha val="50000"/>
+              </a:prstClr>
+            </a:innerShdw>
+          </a:effectLst>
         </p:spPr>
         <p:style>
           <a:lnRef idx="2">
@@ -18894,12 +18712,112 @@
           </a:p>
           <a:p>
             <a:r>
+              <a:rPr lang="en-GB" dirty="0" err="1">
+                <a:solidFill>
+                  <a:srgbClr val="9CC65A"/>
+                </a:solidFill>
+              </a:rPr>
+              <a:t>Jednostavan</a:t>
+            </a:r>
+            <a:r>
+              <a:rPr lang="en-GB" dirty="0">
+                <a:solidFill>
+                  <a:srgbClr val="9CC65A"/>
+                </a:solidFill>
+              </a:rPr>
+              <a:t> </a:t>
+            </a:r>
+            <a:r>
+              <a:rPr lang="en-GB" dirty="0" err="1">
+                <a:solidFill>
+                  <a:srgbClr val="9CC65A"/>
+                </a:solidFill>
+              </a:rPr>
+              <a:t>i</a:t>
+            </a:r>
+            <a:r>
+              <a:rPr lang="en-GB" dirty="0">
+                <a:solidFill>
+                  <a:srgbClr val="9CC65A"/>
+                </a:solidFill>
+              </a:rPr>
+              <a:t> </a:t>
+            </a:r>
+            <a:r>
+              <a:rPr lang="en-GB" dirty="0" err="1">
+                <a:solidFill>
+                  <a:srgbClr val="9CC65A"/>
+                </a:solidFill>
+              </a:rPr>
+              <a:t>intuitivan</a:t>
+            </a:r>
+            <a:r>
+              <a:rPr lang="en-GB" dirty="0">
+                <a:solidFill>
+                  <a:srgbClr val="9CC65A"/>
+                </a:solidFill>
+              </a:rPr>
+              <a:t> </a:t>
+            </a:r>
+            <a:r>
+              <a:rPr lang="en-GB" dirty="0" err="1">
+                <a:solidFill>
+                  <a:srgbClr val="9CC65A"/>
+                </a:solidFill>
+              </a:rPr>
+              <a:t>grafi</a:t>
+            </a:r>
+            <a:r>
               <a:rPr lang="sr-Latn-RS" dirty="0">
                 <a:solidFill>
                   <a:srgbClr val="9CC65A"/>
                 </a:solidFill>
               </a:rPr>
-              <a:t>Korištenje programskog jez</a:t>
+              <a:t>čki interfejs</a:t>
+            </a:r>
+            <a:br>
+              <a:rPr lang="sr-Latn-RS" dirty="0">
+                <a:solidFill>
+                  <a:srgbClr val="9CC65A"/>
+                </a:solidFill>
+              </a:rPr>
+            </a:br>
+            <a:endParaRPr lang="sr-Latn-RS" dirty="0">
+              <a:solidFill>
+                <a:srgbClr val="9CC65A"/>
+              </a:solidFill>
+            </a:endParaRPr>
+          </a:p>
+          <a:p>
+            <a:r>
+              <a:rPr lang="sr-Latn-RS" dirty="0">
+                <a:solidFill>
+                  <a:srgbClr val="9CC65A"/>
+                </a:solidFill>
+              </a:rPr>
+              <a:t>Sigurnost osjetljivih podataka pri prenosu i skladištenju</a:t>
+            </a:r>
+            <a:br>
+              <a:rPr lang="sr-Latn-RS" dirty="0">
+                <a:solidFill>
+                  <a:srgbClr val="9CC65A"/>
+                </a:solidFill>
+              </a:rPr>
+            </a:br>
+            <a:endParaRPr lang="sr-Latn-RS" dirty="0">
+              <a:solidFill>
+                <a:srgbClr val="9CC65A"/>
+              </a:solidFill>
+            </a:endParaRPr>
+          </a:p>
+          <a:p>
+            <a:r>
+              <a:rPr lang="sr-Latn-RS" dirty="0">
+                <a:solidFill>
+                  <a:srgbClr val="9CC65A"/>
+                </a:solidFill>
+              </a:rPr>
+              <a:t>Paralelnost sistema neophodna radi konzistentnosti sistema</a:t>
             </a:r>
           </a:p>
           <a:p>
@@ -19017,7 +18935,7 @@
                   <a:srgbClr val="9CC65A"/>
                 </a:solidFill>
               </a:rPr>
-              <a:t>Sistem eKamp razlikuje dva korisnička interfejsa:</a:t>
+              <a:t>Sistem EKamp razlikuje dva korisnička interfejsa:</a:t>
             </a:r>
             <a:br>
               <a:rPr lang="sr-Latn-RS" dirty="0">
@@ -20359,7 +20277,7 @@
                   <a:srgbClr val="9CC65A"/>
                 </a:solidFill>
               </a:rPr>
-              <a:t>Foram za prijavu</a:t>
+              <a:t>Forma za prijavu</a:t>
             </a:r>
           </a:p>
         </p:txBody>
